--- a/Documentação/DocsPadrao/Apresentacao-ThothLib.pptx
+++ b/Documentação/DocsPadrao/Apresentacao-ThothLib.pptx
@@ -9,12 +9,14 @@
     <p:sldId id="257" r:id="rId3"/>
     <p:sldId id="258" r:id="rId4"/>
     <p:sldId id="259" r:id="rId5"/>
-    <p:sldId id="260" r:id="rId6"/>
-    <p:sldId id="261" r:id="rId7"/>
-    <p:sldId id="262" r:id="rId8"/>
-    <p:sldId id="263" r:id="rId9"/>
-    <p:sldId id="264" r:id="rId10"/>
-    <p:sldId id="265" r:id="rId11"/>
+    <p:sldId id="635" r:id="rId6"/>
+    <p:sldId id="632" r:id="rId7"/>
+    <p:sldId id="263" r:id="rId8"/>
+    <p:sldId id="264" r:id="rId9"/>
+    <p:sldId id="261" r:id="rId10"/>
+    <p:sldId id="262" r:id="rId11"/>
+    <p:sldId id="260" r:id="rId12"/>
+    <p:sldId id="265" r:id="rId13"/>
   </p:sldIdLst>
   <p:sldSz cx="12192000" cy="6858000"/>
   <p:notesSz cx="6858000" cy="9144000"/>
@@ -268,7 +270,7 @@
           <a:p>
             <a:fld id="{DB25EAE3-E8C5-4474-A0B8-D19EECC57382}" type="datetimeFigureOut">
               <a:rPr lang="pt-BR" smtClean="0"/>
-              <a:t>01/09/2021</a:t>
+              <a:t>02/09/2021</a:t>
             </a:fld>
             <a:endParaRPr lang="pt-BR"/>
           </a:p>
@@ -466,7 +468,7 @@
           <a:p>
             <a:fld id="{DB25EAE3-E8C5-4474-A0B8-D19EECC57382}" type="datetimeFigureOut">
               <a:rPr lang="pt-BR" smtClean="0"/>
-              <a:t>01/09/2021</a:t>
+              <a:t>02/09/2021</a:t>
             </a:fld>
             <a:endParaRPr lang="pt-BR"/>
           </a:p>
@@ -674,7 +676,7 @@
           <a:p>
             <a:fld id="{DB25EAE3-E8C5-4474-A0B8-D19EECC57382}" type="datetimeFigureOut">
               <a:rPr lang="pt-BR" smtClean="0"/>
-              <a:t>01/09/2021</a:t>
+              <a:t>02/09/2021</a:t>
             </a:fld>
             <a:endParaRPr lang="pt-BR"/>
           </a:p>
@@ -744,6 +746,1006 @@
   <p:clrMapOvr>
     <a:masterClrMapping/>
   </p:clrMapOvr>
+</p:sldLayout>
+</file>
+
+<file path=ppt/slideLayouts/slideLayout12.xml><?xml version="1.0" encoding="utf-8"?>
+<p:sldLayout xmlns:a="http://schemas.openxmlformats.org/drawingml/2006/main" xmlns:r="http://schemas.openxmlformats.org/officeDocument/2006/relationships" xmlns:p="http://schemas.openxmlformats.org/presentationml/2006/main">
+  <p:cSld name="Uma Parte de Conteúdo">
+    <p:spTree>
+      <p:nvGrpSpPr>
+        <p:cNvPr id="1" name=""/>
+        <p:cNvGrpSpPr/>
+        <p:nvPr/>
+      </p:nvGrpSpPr>
+      <p:grpSpPr>
+        <a:xfrm>
+          <a:off x="0" y="0"/>
+          <a:ext cx="0" cy="0"/>
+          <a:chOff x="0" y="0"/>
+          <a:chExt cx="0" cy="0"/>
+        </a:xfrm>
+      </p:grpSpPr>
+      <p:sp>
+        <p:nvSpPr>
+          <p:cNvPr id="4103" name="Freeform 7"/>
+          <p:cNvSpPr>
+            <a:spLocks/>
+          </p:cNvSpPr>
+          <p:nvPr/>
+        </p:nvSpPr>
+        <p:spPr bwMode="auto">
+          <a:xfrm>
+            <a:off x="11432460" y="6302667"/>
+            <a:ext cx="759540" cy="555333"/>
+          </a:xfrm>
+          <a:custGeom>
+            <a:avLst/>
+            <a:gdLst/>
+            <a:ahLst/>
+            <a:cxnLst>
+              <a:cxn ang="0">
+                <a:pos x="1475" y="0"/>
+              </a:cxn>
+              <a:cxn ang="0">
+                <a:pos x="742" y="258"/>
+              </a:cxn>
+              <a:cxn ang="0">
+                <a:pos x="701" y="273"/>
+              </a:cxn>
+              <a:cxn ang="0">
+                <a:pos x="660" y="290"/>
+              </a:cxn>
+              <a:cxn ang="0">
+                <a:pos x="620" y="309"/>
+              </a:cxn>
+              <a:cxn ang="0">
+                <a:pos x="582" y="329"/>
+              </a:cxn>
+              <a:cxn ang="0">
+                <a:pos x="544" y="350"/>
+              </a:cxn>
+              <a:cxn ang="0">
+                <a:pos x="508" y="373"/>
+              </a:cxn>
+              <a:cxn ang="0">
+                <a:pos x="472" y="397"/>
+              </a:cxn>
+              <a:cxn ang="0">
+                <a:pos x="437" y="422"/>
+              </a:cxn>
+              <a:cxn ang="0">
+                <a:pos x="404" y="449"/>
+              </a:cxn>
+              <a:cxn ang="0">
+                <a:pos x="371" y="477"/>
+              </a:cxn>
+              <a:cxn ang="0">
+                <a:pos x="341" y="506"/>
+              </a:cxn>
+              <a:cxn ang="0">
+                <a:pos x="311" y="536"/>
+              </a:cxn>
+              <a:cxn ang="0">
+                <a:pos x="281" y="566"/>
+              </a:cxn>
+              <a:cxn ang="0">
+                <a:pos x="254" y="599"/>
+              </a:cxn>
+              <a:cxn ang="0">
+                <a:pos x="228" y="632"/>
+              </a:cxn>
+              <a:cxn ang="0">
+                <a:pos x="203" y="666"/>
+              </a:cxn>
+              <a:cxn ang="0">
+                <a:pos x="179" y="701"/>
+              </a:cxn>
+              <a:cxn ang="0">
+                <a:pos x="158" y="738"/>
+              </a:cxn>
+              <a:cxn ang="0">
+                <a:pos x="136" y="775"/>
+              </a:cxn>
+              <a:cxn ang="0">
+                <a:pos x="117" y="813"/>
+              </a:cxn>
+              <a:cxn ang="0">
+                <a:pos x="98" y="850"/>
+              </a:cxn>
+              <a:cxn ang="0">
+                <a:pos x="82" y="890"/>
+              </a:cxn>
+              <a:cxn ang="0">
+                <a:pos x="67" y="930"/>
+              </a:cxn>
+              <a:cxn ang="0">
+                <a:pos x="53" y="970"/>
+              </a:cxn>
+              <a:cxn ang="0">
+                <a:pos x="41" y="1011"/>
+              </a:cxn>
+              <a:cxn ang="0">
+                <a:pos x="30" y="1053"/>
+              </a:cxn>
+              <a:cxn ang="0">
+                <a:pos x="21" y="1096"/>
+              </a:cxn>
+              <a:cxn ang="0">
+                <a:pos x="14" y="1138"/>
+              </a:cxn>
+              <a:cxn ang="0">
+                <a:pos x="7" y="1181"/>
+              </a:cxn>
+              <a:cxn ang="0">
+                <a:pos x="4" y="1224"/>
+              </a:cxn>
+              <a:cxn ang="0">
+                <a:pos x="1" y="1269"/>
+              </a:cxn>
+              <a:cxn ang="0">
+                <a:pos x="0" y="1313"/>
+              </a:cxn>
+              <a:cxn ang="0">
+                <a:pos x="0" y="1578"/>
+              </a:cxn>
+              <a:cxn ang="0">
+                <a:pos x="1475" y="1578"/>
+              </a:cxn>
+              <a:cxn ang="0">
+                <a:pos x="1475" y="0"/>
+              </a:cxn>
+            </a:cxnLst>
+            <a:rect l="0" t="0" r="r" b="b"/>
+            <a:pathLst>
+              <a:path w="1475" h="1578">
+                <a:moveTo>
+                  <a:pt x="1475" y="0"/>
+                </a:moveTo>
+                <a:lnTo>
+                  <a:pt x="742" y="258"/>
+                </a:lnTo>
+                <a:lnTo>
+                  <a:pt x="701" y="273"/>
+                </a:lnTo>
+                <a:lnTo>
+                  <a:pt x="660" y="290"/>
+                </a:lnTo>
+                <a:lnTo>
+                  <a:pt x="620" y="309"/>
+                </a:lnTo>
+                <a:lnTo>
+                  <a:pt x="582" y="329"/>
+                </a:lnTo>
+                <a:lnTo>
+                  <a:pt x="544" y="350"/>
+                </a:lnTo>
+                <a:lnTo>
+                  <a:pt x="508" y="373"/>
+                </a:lnTo>
+                <a:lnTo>
+                  <a:pt x="472" y="397"/>
+                </a:lnTo>
+                <a:lnTo>
+                  <a:pt x="437" y="422"/>
+                </a:lnTo>
+                <a:lnTo>
+                  <a:pt x="404" y="449"/>
+                </a:lnTo>
+                <a:lnTo>
+                  <a:pt x="371" y="477"/>
+                </a:lnTo>
+                <a:lnTo>
+                  <a:pt x="341" y="506"/>
+                </a:lnTo>
+                <a:lnTo>
+                  <a:pt x="311" y="536"/>
+                </a:lnTo>
+                <a:lnTo>
+                  <a:pt x="281" y="566"/>
+                </a:lnTo>
+                <a:lnTo>
+                  <a:pt x="254" y="599"/>
+                </a:lnTo>
+                <a:lnTo>
+                  <a:pt x="228" y="632"/>
+                </a:lnTo>
+                <a:lnTo>
+                  <a:pt x="203" y="666"/>
+                </a:lnTo>
+                <a:lnTo>
+                  <a:pt x="179" y="701"/>
+                </a:lnTo>
+                <a:lnTo>
+                  <a:pt x="158" y="738"/>
+                </a:lnTo>
+                <a:lnTo>
+                  <a:pt x="136" y="775"/>
+                </a:lnTo>
+                <a:lnTo>
+                  <a:pt x="117" y="813"/>
+                </a:lnTo>
+                <a:lnTo>
+                  <a:pt x="98" y="850"/>
+                </a:lnTo>
+                <a:lnTo>
+                  <a:pt x="82" y="890"/>
+                </a:lnTo>
+                <a:lnTo>
+                  <a:pt x="67" y="930"/>
+                </a:lnTo>
+                <a:lnTo>
+                  <a:pt x="53" y="970"/>
+                </a:lnTo>
+                <a:lnTo>
+                  <a:pt x="41" y="1011"/>
+                </a:lnTo>
+                <a:lnTo>
+                  <a:pt x="30" y="1053"/>
+                </a:lnTo>
+                <a:lnTo>
+                  <a:pt x="21" y="1096"/>
+                </a:lnTo>
+                <a:lnTo>
+                  <a:pt x="14" y="1138"/>
+                </a:lnTo>
+                <a:lnTo>
+                  <a:pt x="7" y="1181"/>
+                </a:lnTo>
+                <a:lnTo>
+                  <a:pt x="4" y="1224"/>
+                </a:lnTo>
+                <a:lnTo>
+                  <a:pt x="1" y="1269"/>
+                </a:lnTo>
+                <a:lnTo>
+                  <a:pt x="0" y="1313"/>
+                </a:lnTo>
+                <a:lnTo>
+                  <a:pt x="0" y="1578"/>
+                </a:lnTo>
+                <a:lnTo>
+                  <a:pt x="1475" y="1578"/>
+                </a:lnTo>
+                <a:lnTo>
+                  <a:pt x="1475" y="0"/>
+                </a:lnTo>
+                <a:close/>
+              </a:path>
+            </a:pathLst>
+          </a:custGeom>
+          <a:solidFill>
+            <a:srgbClr val="292C34"/>
+          </a:solidFill>
+          <a:ln w="9525">
+            <a:noFill/>
+            <a:round/>
+            <a:headEnd/>
+            <a:tailEnd/>
+          </a:ln>
+        </p:spPr>
+        <p:txBody>
+          <a:bodyPr vert="horz" wrap="square" lIns="104255" tIns="52128" rIns="104255" bIns="52128" numCol="1" anchor="t" anchorCtr="0" compatLnSpc="1">
+            <a:prstTxWarp prst="textNoShape">
+              <a:avLst/>
+            </a:prstTxWarp>
+          </a:bodyPr>
+          <a:lstStyle/>
+          <a:p>
+            <a:endParaRPr lang="pt-BR" sz="2394"/>
+          </a:p>
+        </p:txBody>
+      </p:sp>
+      <p:sp>
+        <p:nvSpPr>
+          <p:cNvPr id="18" name="Espaço Reservado para Texto 17"/>
+          <p:cNvSpPr>
+            <a:spLocks noGrp="1"/>
+          </p:cNvSpPr>
+          <p:nvPr>
+            <p:ph type="body" sz="quarter" idx="11"/>
+          </p:nvPr>
+        </p:nvSpPr>
+        <p:spPr>
+          <a:xfrm>
+            <a:off x="1981647" y="1208042"/>
+            <a:ext cx="8546987" cy="5225211"/>
+          </a:xfrm>
+          <a:prstGeom prst="rect">
+            <a:avLst/>
+          </a:prstGeom>
+        </p:spPr>
+        <p:txBody>
+          <a:bodyPr/>
+          <a:lstStyle>
+            <a:lvl1pPr>
+              <a:buClr>
+                <a:srgbClr val="32B9CD"/>
+              </a:buClr>
+              <a:defRPr>
+                <a:latin typeface="Exo 2" pitchFamily="50" charset="0"/>
+              </a:defRPr>
+            </a:lvl1pPr>
+            <a:lvl2pPr>
+              <a:buClr>
+                <a:srgbClr val="32B9CD"/>
+              </a:buClr>
+              <a:defRPr>
+                <a:latin typeface="Exo 2" pitchFamily="50" charset="0"/>
+              </a:defRPr>
+            </a:lvl2pPr>
+            <a:lvl3pPr>
+              <a:buClr>
+                <a:srgbClr val="32B9CD"/>
+              </a:buClr>
+              <a:defRPr>
+                <a:latin typeface="Exo 2" pitchFamily="50" charset="0"/>
+              </a:defRPr>
+            </a:lvl3pPr>
+            <a:lvl4pPr>
+              <a:buClr>
+                <a:srgbClr val="32B9CD"/>
+              </a:buClr>
+              <a:defRPr>
+                <a:latin typeface="Exo 2" pitchFamily="50" charset="0"/>
+              </a:defRPr>
+            </a:lvl4pPr>
+            <a:lvl5pPr>
+              <a:buClr>
+                <a:srgbClr val="32B9CD"/>
+              </a:buClr>
+              <a:defRPr>
+                <a:latin typeface="Exo 2" pitchFamily="50" charset="0"/>
+              </a:defRPr>
+            </a:lvl5pPr>
+          </a:lstStyle>
+          <a:p>
+            <a:pPr lvl="0"/>
+            <a:r>
+              <a:rPr lang="pt-BR"/>
+              <a:t>Clique para editar os estilos do texto mestre</a:t>
+            </a:r>
+          </a:p>
+          <a:p>
+            <a:pPr lvl="1"/>
+            <a:r>
+              <a:rPr lang="pt-BR"/>
+              <a:t>Segundo nível</a:t>
+            </a:r>
+          </a:p>
+          <a:p>
+            <a:pPr lvl="2"/>
+            <a:r>
+              <a:rPr lang="pt-BR"/>
+              <a:t>Terceiro nível</a:t>
+            </a:r>
+          </a:p>
+          <a:p>
+            <a:pPr lvl="3"/>
+            <a:r>
+              <a:rPr lang="pt-BR"/>
+              <a:t>Quarto nível</a:t>
+            </a:r>
+          </a:p>
+          <a:p>
+            <a:pPr lvl="4"/>
+            <a:r>
+              <a:rPr lang="pt-BR"/>
+              <a:t>Quinto nível</a:t>
+            </a:r>
+          </a:p>
+        </p:txBody>
+      </p:sp>
+      <p:sp>
+        <p:nvSpPr>
+          <p:cNvPr id="7" name="Rectangle 4"/>
+          <p:cNvSpPr>
+            <a:spLocks noGrp="1" noChangeArrowheads="1"/>
+          </p:cNvSpPr>
+          <p:nvPr>
+            <p:ph type="sldNum" sz="quarter" idx="4"/>
+          </p:nvPr>
+        </p:nvSpPr>
+        <p:spPr bwMode="auto">
+          <a:xfrm>
+            <a:off x="11432460" y="6563910"/>
+            <a:ext cx="570147" cy="194359"/>
+          </a:xfrm>
+          <a:prstGeom prst="rect">
+            <a:avLst/>
+          </a:prstGeom>
+          <a:noFill/>
+          <a:ln w="9525">
+            <a:noFill/>
+            <a:miter lim="800000"/>
+            <a:headEnd/>
+            <a:tailEnd/>
+          </a:ln>
+          <a:effectLst/>
+        </p:spPr>
+        <p:txBody>
+          <a:bodyPr vert="horz" wrap="square" lIns="18000" tIns="10800" rIns="18000" bIns="10800" numCol="1" anchor="t" anchorCtr="0" compatLnSpc="1">
+            <a:prstTxWarp prst="textNoShape">
+              <a:avLst/>
+            </a:prstTxWarp>
+          </a:bodyPr>
+          <a:lstStyle>
+            <a:lvl1pPr algn="r">
+              <a:spcBef>
+                <a:spcPct val="0"/>
+              </a:spcBef>
+              <a:spcAft>
+                <a:spcPct val="0"/>
+              </a:spcAft>
+              <a:defRPr sz="1140" b="1">
+                <a:solidFill>
+                  <a:schemeClr val="bg1"/>
+                </a:solidFill>
+                <a:latin typeface="Exo 2" pitchFamily="50" charset="0"/>
+                <a:ea typeface="Tahoma" pitchFamily="34" charset="0"/>
+                <a:cs typeface="Tahoma" pitchFamily="34" charset="0"/>
+              </a:defRPr>
+            </a:lvl1pPr>
+          </a:lstStyle>
+          <a:p>
+            <a:pPr>
+              <a:defRPr/>
+            </a:pPr>
+            <a:fld id="{B66251D2-9488-44CD-87B4-F793A73C4A01}" type="slidenum">
+              <a:rPr lang="pt-BR" smtClean="0"/>
+              <a:pPr>
+                <a:defRPr/>
+              </a:pPr>
+              <a:t>‹nº›</a:t>
+            </a:fld>
+            <a:endParaRPr lang="pt-BR" sz="798"/>
+          </a:p>
+        </p:txBody>
+      </p:sp>
+      <p:sp>
+        <p:nvSpPr>
+          <p:cNvPr id="9" name="Freeform 6"/>
+          <p:cNvSpPr>
+            <a:spLocks/>
+          </p:cNvSpPr>
+          <p:nvPr/>
+        </p:nvSpPr>
+        <p:spPr bwMode="auto">
+          <a:xfrm>
+            <a:off x="6" y="9"/>
+            <a:ext cx="1661896" cy="1208438"/>
+          </a:xfrm>
+          <a:custGeom>
+            <a:avLst/>
+            <a:gdLst/>
+            <a:ahLst/>
+            <a:cxnLst>
+              <a:cxn ang="0">
+                <a:pos x="3091" y="1686"/>
+              </a:cxn>
+              <a:cxn ang="0">
+                <a:pos x="3117" y="1687"/>
+              </a:cxn>
+              <a:cxn ang="0">
+                <a:pos x="3156" y="1689"/>
+              </a:cxn>
+              <a:cxn ang="0">
+                <a:pos x="3169" y="1687"/>
+              </a:cxn>
+              <a:cxn ang="0">
+                <a:pos x="3252" y="1655"/>
+              </a:cxn>
+              <a:cxn ang="0">
+                <a:pos x="3332" y="1617"/>
+              </a:cxn>
+              <a:cxn ang="0">
+                <a:pos x="3408" y="1573"/>
+              </a:cxn>
+              <a:cxn ang="0">
+                <a:pos x="3478" y="1523"/>
+              </a:cxn>
+              <a:cxn ang="0">
+                <a:pos x="3545" y="1469"/>
+              </a:cxn>
+              <a:cxn ang="0">
+                <a:pos x="3608" y="1411"/>
+              </a:cxn>
+              <a:cxn ang="0">
+                <a:pos x="3665" y="1346"/>
+              </a:cxn>
+              <a:cxn ang="0">
+                <a:pos x="3718" y="1279"/>
+              </a:cxn>
+              <a:cxn ang="0">
+                <a:pos x="3765" y="1207"/>
+              </a:cxn>
+              <a:cxn ang="0">
+                <a:pos x="3807" y="1133"/>
+              </a:cxn>
+              <a:cxn ang="0">
+                <a:pos x="3842" y="1055"/>
+              </a:cxn>
+              <a:cxn ang="0">
+                <a:pos x="3872" y="974"/>
+              </a:cxn>
+              <a:cxn ang="0">
+                <a:pos x="3896" y="890"/>
+              </a:cxn>
+              <a:cxn ang="0">
+                <a:pos x="3913" y="805"/>
+              </a:cxn>
+              <a:cxn ang="0">
+                <a:pos x="3923" y="717"/>
+              </a:cxn>
+              <a:cxn ang="0">
+                <a:pos x="3927" y="628"/>
+              </a:cxn>
+              <a:cxn ang="0">
+                <a:pos x="3855" y="0"/>
+              </a:cxn>
+              <a:cxn ang="0">
+                <a:pos x="3088" y="0"/>
+              </a:cxn>
+              <a:cxn ang="0">
+                <a:pos x="3855" y="278"/>
+              </a:cxn>
+              <a:cxn ang="0">
+                <a:pos x="3853" y="671"/>
+              </a:cxn>
+              <a:cxn ang="0">
+                <a:pos x="3847" y="753"/>
+              </a:cxn>
+              <a:cxn ang="0">
+                <a:pos x="3834" y="834"/>
+              </a:cxn>
+              <a:cxn ang="0">
+                <a:pos x="3814" y="913"/>
+              </a:cxn>
+              <a:cxn ang="0">
+                <a:pos x="3790" y="990"/>
+              </a:cxn>
+              <a:cxn ang="0">
+                <a:pos x="3759" y="1063"/>
+              </a:cxn>
+              <a:cxn ang="0">
+                <a:pos x="3723" y="1135"/>
+              </a:cxn>
+              <a:cxn ang="0">
+                <a:pos x="3682" y="1204"/>
+              </a:cxn>
+              <a:cxn ang="0">
+                <a:pos x="3635" y="1269"/>
+              </a:cxn>
+              <a:cxn ang="0">
+                <a:pos x="3583" y="1330"/>
+              </a:cxn>
+              <a:cxn ang="0">
+                <a:pos x="3528" y="1388"/>
+              </a:cxn>
+              <a:cxn ang="0">
+                <a:pos x="3467" y="1441"/>
+              </a:cxn>
+              <a:cxn ang="0">
+                <a:pos x="3403" y="1489"/>
+              </a:cxn>
+              <a:cxn ang="0">
+                <a:pos x="3333" y="1533"/>
+              </a:cxn>
+              <a:cxn ang="0">
+                <a:pos x="3261" y="1571"/>
+              </a:cxn>
+              <a:cxn ang="0">
+                <a:pos x="3185" y="1604"/>
+              </a:cxn>
+              <a:cxn ang="0">
+                <a:pos x="3140" y="1621"/>
+              </a:cxn>
+              <a:cxn ang="0">
+                <a:pos x="3121" y="1636"/>
+              </a:cxn>
+              <a:cxn ang="0">
+                <a:pos x="3091" y="1661"/>
+              </a:cxn>
+              <a:cxn ang="0">
+                <a:pos x="0" y="2718"/>
+              </a:cxn>
+            </a:cxnLst>
+            <a:rect l="0" t="0" r="r" b="b"/>
+            <a:pathLst>
+              <a:path w="3927" h="2740">
+                <a:moveTo>
+                  <a:pt x="0" y="2740"/>
+                </a:moveTo>
+                <a:lnTo>
+                  <a:pt x="3091" y="1686"/>
+                </a:lnTo>
+                <a:lnTo>
+                  <a:pt x="3098" y="1686"/>
+                </a:lnTo>
+                <a:lnTo>
+                  <a:pt x="3117" y="1687"/>
+                </a:lnTo>
+                <a:lnTo>
+                  <a:pt x="3139" y="1689"/>
+                </a:lnTo>
+                <a:lnTo>
+                  <a:pt x="3156" y="1689"/>
+                </a:lnTo>
+                <a:lnTo>
+                  <a:pt x="3163" y="1689"/>
+                </a:lnTo>
+                <a:lnTo>
+                  <a:pt x="3169" y="1687"/>
+                </a:lnTo>
+                <a:lnTo>
+                  <a:pt x="3211" y="1672"/>
+                </a:lnTo>
+                <a:lnTo>
+                  <a:pt x="3252" y="1655"/>
+                </a:lnTo>
+                <a:lnTo>
+                  <a:pt x="3293" y="1637"/>
+                </a:lnTo>
+                <a:lnTo>
+                  <a:pt x="3332" y="1617"/>
+                </a:lnTo>
+                <a:lnTo>
+                  <a:pt x="3370" y="1595"/>
+                </a:lnTo>
+                <a:lnTo>
+                  <a:pt x="3408" y="1573"/>
+                </a:lnTo>
+                <a:lnTo>
+                  <a:pt x="3443" y="1549"/>
+                </a:lnTo>
+                <a:lnTo>
+                  <a:pt x="3478" y="1523"/>
+                </a:lnTo>
+                <a:lnTo>
+                  <a:pt x="3512" y="1497"/>
+                </a:lnTo>
+                <a:lnTo>
+                  <a:pt x="3545" y="1469"/>
+                </a:lnTo>
+                <a:lnTo>
+                  <a:pt x="3577" y="1440"/>
+                </a:lnTo>
+                <a:lnTo>
+                  <a:pt x="3608" y="1411"/>
+                </a:lnTo>
+                <a:lnTo>
+                  <a:pt x="3637" y="1379"/>
+                </a:lnTo>
+                <a:lnTo>
+                  <a:pt x="3665" y="1346"/>
+                </a:lnTo>
+                <a:lnTo>
+                  <a:pt x="3692" y="1314"/>
+                </a:lnTo>
+                <a:lnTo>
+                  <a:pt x="3718" y="1279"/>
+                </a:lnTo>
+                <a:lnTo>
+                  <a:pt x="3742" y="1244"/>
+                </a:lnTo>
+                <a:lnTo>
+                  <a:pt x="3765" y="1207"/>
+                </a:lnTo>
+                <a:lnTo>
+                  <a:pt x="3786" y="1171"/>
+                </a:lnTo>
+                <a:lnTo>
+                  <a:pt x="3807" y="1133"/>
+                </a:lnTo>
+                <a:lnTo>
+                  <a:pt x="3826" y="1094"/>
+                </a:lnTo>
+                <a:lnTo>
+                  <a:pt x="3842" y="1055"/>
+                </a:lnTo>
+                <a:lnTo>
+                  <a:pt x="3858" y="1014"/>
+                </a:lnTo>
+                <a:lnTo>
+                  <a:pt x="3872" y="974"/>
+                </a:lnTo>
+                <a:lnTo>
+                  <a:pt x="3885" y="932"/>
+                </a:lnTo>
+                <a:lnTo>
+                  <a:pt x="3896" y="890"/>
+                </a:lnTo>
+                <a:lnTo>
+                  <a:pt x="3905" y="848"/>
+                </a:lnTo>
+                <a:lnTo>
+                  <a:pt x="3913" y="805"/>
+                </a:lnTo>
+                <a:lnTo>
+                  <a:pt x="3919" y="762"/>
+                </a:lnTo>
+                <a:lnTo>
+                  <a:pt x="3923" y="717"/>
+                </a:lnTo>
+                <a:lnTo>
+                  <a:pt x="3927" y="673"/>
+                </a:lnTo>
+                <a:lnTo>
+                  <a:pt x="3927" y="628"/>
+                </a:lnTo>
+                <a:lnTo>
+                  <a:pt x="3927" y="0"/>
+                </a:lnTo>
+                <a:lnTo>
+                  <a:pt x="3855" y="0"/>
+                </a:lnTo>
+                <a:lnTo>
+                  <a:pt x="3855" y="256"/>
+                </a:lnTo>
+                <a:lnTo>
+                  <a:pt x="3088" y="0"/>
+                </a:lnTo>
+                <a:lnTo>
+                  <a:pt x="3022" y="0"/>
+                </a:lnTo>
+                <a:lnTo>
+                  <a:pt x="3855" y="278"/>
+                </a:lnTo>
+                <a:lnTo>
+                  <a:pt x="3855" y="628"/>
+                </a:lnTo>
+                <a:lnTo>
+                  <a:pt x="3853" y="671"/>
+                </a:lnTo>
+                <a:lnTo>
+                  <a:pt x="3851" y="711"/>
+                </a:lnTo>
+                <a:lnTo>
+                  <a:pt x="3847" y="753"/>
+                </a:lnTo>
+                <a:lnTo>
+                  <a:pt x="3841" y="793"/>
+                </a:lnTo>
+                <a:lnTo>
+                  <a:pt x="3834" y="834"/>
+                </a:lnTo>
+                <a:lnTo>
+                  <a:pt x="3826" y="874"/>
+                </a:lnTo>
+                <a:lnTo>
+                  <a:pt x="3814" y="913"/>
+                </a:lnTo>
+                <a:lnTo>
+                  <a:pt x="3803" y="951"/>
+                </a:lnTo>
+                <a:lnTo>
+                  <a:pt x="3790" y="990"/>
+                </a:lnTo>
+                <a:lnTo>
+                  <a:pt x="3775" y="1027"/>
+                </a:lnTo>
+                <a:lnTo>
+                  <a:pt x="3759" y="1063"/>
+                </a:lnTo>
+                <a:lnTo>
+                  <a:pt x="3742" y="1100"/>
+                </a:lnTo>
+                <a:lnTo>
+                  <a:pt x="3723" y="1135"/>
+                </a:lnTo>
+                <a:lnTo>
+                  <a:pt x="3703" y="1170"/>
+                </a:lnTo>
+                <a:lnTo>
+                  <a:pt x="3682" y="1204"/>
+                </a:lnTo>
+                <a:lnTo>
+                  <a:pt x="3659" y="1237"/>
+                </a:lnTo>
+                <a:lnTo>
+                  <a:pt x="3635" y="1269"/>
+                </a:lnTo>
+                <a:lnTo>
+                  <a:pt x="3610" y="1300"/>
+                </a:lnTo>
+                <a:lnTo>
+                  <a:pt x="3583" y="1330"/>
+                </a:lnTo>
+                <a:lnTo>
+                  <a:pt x="3555" y="1359"/>
+                </a:lnTo>
+                <a:lnTo>
+                  <a:pt x="3528" y="1388"/>
+                </a:lnTo>
+                <a:lnTo>
+                  <a:pt x="3497" y="1415"/>
+                </a:lnTo>
+                <a:lnTo>
+                  <a:pt x="3467" y="1441"/>
+                </a:lnTo>
+                <a:lnTo>
+                  <a:pt x="3435" y="1465"/>
+                </a:lnTo>
+                <a:lnTo>
+                  <a:pt x="3403" y="1489"/>
+                </a:lnTo>
+                <a:lnTo>
+                  <a:pt x="3368" y="1512"/>
+                </a:lnTo>
+                <a:lnTo>
+                  <a:pt x="3333" y="1533"/>
+                </a:lnTo>
+                <a:lnTo>
+                  <a:pt x="3298" y="1552"/>
+                </a:lnTo>
+                <a:lnTo>
+                  <a:pt x="3261" y="1571"/>
+                </a:lnTo>
+                <a:lnTo>
+                  <a:pt x="3223" y="1588"/>
+                </a:lnTo>
+                <a:lnTo>
+                  <a:pt x="3185" y="1604"/>
+                </a:lnTo>
+                <a:lnTo>
+                  <a:pt x="3145" y="1618"/>
+                </a:lnTo>
+                <a:lnTo>
+                  <a:pt x="3140" y="1621"/>
+                </a:lnTo>
+                <a:lnTo>
+                  <a:pt x="3135" y="1624"/>
+                </a:lnTo>
+                <a:lnTo>
+                  <a:pt x="3121" y="1636"/>
+                </a:lnTo>
+                <a:lnTo>
+                  <a:pt x="3104" y="1650"/>
+                </a:lnTo>
+                <a:lnTo>
+                  <a:pt x="3091" y="1661"/>
+                </a:lnTo>
+                <a:lnTo>
+                  <a:pt x="3084" y="1666"/>
+                </a:lnTo>
+                <a:lnTo>
+                  <a:pt x="0" y="2718"/>
+                </a:lnTo>
+                <a:lnTo>
+                  <a:pt x="0" y="2740"/>
+                </a:lnTo>
+                <a:close/>
+              </a:path>
+            </a:pathLst>
+          </a:custGeom>
+          <a:solidFill>
+            <a:srgbClr val="3B3D42"/>
+          </a:solidFill>
+          <a:ln w="9525">
+            <a:noFill/>
+            <a:round/>
+            <a:headEnd/>
+            <a:tailEnd/>
+          </a:ln>
+        </p:spPr>
+        <p:txBody>
+          <a:bodyPr vert="horz" wrap="square" lIns="104255" tIns="52128" rIns="104255" bIns="52128" numCol="1" anchor="t" anchorCtr="0" compatLnSpc="1">
+            <a:prstTxWarp prst="textNoShape">
+              <a:avLst/>
+            </a:prstTxWarp>
+          </a:bodyPr>
+          <a:lstStyle/>
+          <a:p>
+            <a:endParaRPr lang="pt-BR" sz="2394"/>
+          </a:p>
+        </p:txBody>
+      </p:sp>
+      <p:sp>
+        <p:nvSpPr>
+          <p:cNvPr id="10" name="Espaço Reservado para Texto 15"/>
+          <p:cNvSpPr>
+            <a:spLocks noGrp="1"/>
+          </p:cNvSpPr>
+          <p:nvPr>
+            <p:ph type="body" sz="quarter" idx="13" hasCustomPrompt="1"/>
+          </p:nvPr>
+        </p:nvSpPr>
+        <p:spPr>
+          <a:xfrm>
+            <a:off x="1981647" y="98162"/>
+            <a:ext cx="9779211" cy="694428"/>
+          </a:xfrm>
+          <a:prstGeom prst="rect">
+            <a:avLst/>
+          </a:prstGeom>
+        </p:spPr>
+        <p:txBody>
+          <a:bodyPr anchor="t"/>
+          <a:lstStyle>
+            <a:lvl1pPr>
+              <a:buNone/>
+              <a:defRPr sz="3420" b="1" baseline="0">
+                <a:solidFill>
+                  <a:srgbClr val="32B9CD"/>
+                </a:solidFill>
+                <a:latin typeface="Exo 2" pitchFamily="50" charset="0"/>
+              </a:defRPr>
+            </a:lvl1pPr>
+            <a:lvl2pPr>
+              <a:buNone/>
+              <a:defRPr sz="3420">
+                <a:latin typeface="Exo 2" pitchFamily="50" charset="0"/>
+              </a:defRPr>
+            </a:lvl2pPr>
+            <a:lvl3pPr>
+              <a:buNone/>
+              <a:defRPr sz="3420">
+                <a:latin typeface="Exo 2" pitchFamily="50" charset="0"/>
+              </a:defRPr>
+            </a:lvl3pPr>
+            <a:lvl4pPr>
+              <a:buNone/>
+              <a:defRPr sz="3420">
+                <a:latin typeface="Exo 2" pitchFamily="50" charset="0"/>
+              </a:defRPr>
+            </a:lvl4pPr>
+            <a:lvl5pPr>
+              <a:buNone/>
+              <a:defRPr sz="3420">
+                <a:latin typeface="Exo 2" pitchFamily="50" charset="0"/>
+              </a:defRPr>
+            </a:lvl5pPr>
+          </a:lstStyle>
+          <a:p>
+            <a:pPr lvl="0"/>
+            <a:r>
+              <a:rPr lang="pt-BR"/>
+              <a:t>Clique para editar título do slide</a:t>
+            </a:r>
+          </a:p>
+        </p:txBody>
+      </p:sp>
+      <p:pic>
+        <p:nvPicPr>
+          <p:cNvPr id="11" name="Imagem 10"/>
+          <p:cNvPicPr>
+            <a:picLocks noChangeAspect="1"/>
+          </p:cNvPicPr>
+          <p:nvPr userDrawn="1"/>
+        </p:nvPicPr>
+        <p:blipFill>
+          <a:blip r:embed="rId2" cstate="email">
+            <a:extLst>
+              <a:ext uri="{28A0092B-C50C-407E-A947-70E740481C1C}">
+                <a14:useLocalDpi xmlns:a14="http://schemas.microsoft.com/office/drawing/2010/main"/>
+              </a:ext>
+            </a:extLst>
+          </a:blip>
+          <a:stretch>
+            <a:fillRect/>
+          </a:stretch>
+        </p:blipFill>
+        <p:spPr>
+          <a:xfrm>
+            <a:off x="164857" y="150637"/>
+            <a:ext cx="1217211" cy="453590"/>
+          </a:xfrm>
+          <a:prstGeom prst="rect">
+            <a:avLst/>
+          </a:prstGeom>
+        </p:spPr>
+      </p:pic>
+    </p:spTree>
+    <p:extLst>
+      <p:ext uri="{BB962C8B-B14F-4D97-AF65-F5344CB8AC3E}">
+        <p14:creationId xmlns:p14="http://schemas.microsoft.com/office/powerpoint/2010/main" val="834133158"/>
+      </p:ext>
+    </p:extLst>
+  </p:cSld>
+  <p:clrMapOvr>
+    <a:masterClrMapping/>
+  </p:clrMapOvr>
+  <p:hf hdr="0" ftr="0" dt="0"/>
 </p:sldLayout>
 </file>
 
@@ -872,7 +1874,7 @@
           <a:p>
             <a:fld id="{DB25EAE3-E8C5-4474-A0B8-D19EECC57382}" type="datetimeFigureOut">
               <a:rPr lang="pt-BR" smtClean="0"/>
-              <a:t>01/09/2021</a:t>
+              <a:t>02/09/2021</a:t>
             </a:fld>
             <a:endParaRPr lang="pt-BR"/>
           </a:p>
@@ -1147,7 +2149,7 @@
           <a:p>
             <a:fld id="{DB25EAE3-E8C5-4474-A0B8-D19EECC57382}" type="datetimeFigureOut">
               <a:rPr lang="pt-BR" smtClean="0"/>
-              <a:t>01/09/2021</a:t>
+              <a:t>02/09/2021</a:t>
             </a:fld>
             <a:endParaRPr lang="pt-BR"/>
           </a:p>
@@ -1412,7 +2414,7 @@
           <a:p>
             <a:fld id="{DB25EAE3-E8C5-4474-A0B8-D19EECC57382}" type="datetimeFigureOut">
               <a:rPr lang="pt-BR" smtClean="0"/>
-              <a:t>01/09/2021</a:t>
+              <a:t>02/09/2021</a:t>
             </a:fld>
             <a:endParaRPr lang="pt-BR"/>
           </a:p>
@@ -1824,7 +2826,7 @@
           <a:p>
             <a:fld id="{DB25EAE3-E8C5-4474-A0B8-D19EECC57382}" type="datetimeFigureOut">
               <a:rPr lang="pt-BR" smtClean="0"/>
-              <a:t>01/09/2021</a:t>
+              <a:t>02/09/2021</a:t>
             </a:fld>
             <a:endParaRPr lang="pt-BR"/>
           </a:p>
@@ -1965,7 +2967,7 @@
           <a:p>
             <a:fld id="{DB25EAE3-E8C5-4474-A0B8-D19EECC57382}" type="datetimeFigureOut">
               <a:rPr lang="pt-BR" smtClean="0"/>
-              <a:t>01/09/2021</a:t>
+              <a:t>02/09/2021</a:t>
             </a:fld>
             <a:endParaRPr lang="pt-BR"/>
           </a:p>
@@ -2078,7 +3080,7 @@
           <a:p>
             <a:fld id="{DB25EAE3-E8C5-4474-A0B8-D19EECC57382}" type="datetimeFigureOut">
               <a:rPr lang="pt-BR" smtClean="0"/>
-              <a:t>01/09/2021</a:t>
+              <a:t>02/09/2021</a:t>
             </a:fld>
             <a:endParaRPr lang="pt-BR"/>
           </a:p>
@@ -2389,7 +3391,7 @@
           <a:p>
             <a:fld id="{DB25EAE3-E8C5-4474-A0B8-D19EECC57382}" type="datetimeFigureOut">
               <a:rPr lang="pt-BR" smtClean="0"/>
-              <a:t>01/09/2021</a:t>
+              <a:t>02/09/2021</a:t>
             </a:fld>
             <a:endParaRPr lang="pt-BR"/>
           </a:p>
@@ -2677,7 +3679,7 @@
           <a:p>
             <a:fld id="{DB25EAE3-E8C5-4474-A0B8-D19EECC57382}" type="datetimeFigureOut">
               <a:rPr lang="pt-BR" smtClean="0"/>
-              <a:t>01/09/2021</a:t>
+              <a:t>02/09/2021</a:t>
             </a:fld>
             <a:endParaRPr lang="pt-BR"/>
           </a:p>
@@ -2918,7 +3920,7 @@
           <a:p>
             <a:fld id="{DB25EAE3-E8C5-4474-A0B8-D19EECC57382}" type="datetimeFigureOut">
               <a:rPr lang="pt-BR" smtClean="0"/>
-              <a:t>01/09/2021</a:t>
+              <a:t>02/09/2021</a:t>
             </a:fld>
             <a:endParaRPr lang="pt-BR"/>
           </a:p>
@@ -3034,6 +4036,7 @@
     <p:sldLayoutId id="2147483657" r:id="rId9"/>
     <p:sldLayoutId id="2147483658" r:id="rId10"/>
     <p:sldLayoutId id="2147483659" r:id="rId11"/>
+    <p:sldLayoutId id="2147483660" r:id="rId12"/>
   </p:sldLayoutIdLst>
   <p:txStyles>
     <p:titleStyle>
@@ -4557,6 +5560,161 @@
           <p:cNvPr id="2" name="Título 1">
             <a:extLst>
               <a:ext uri="{FF2B5EF4-FFF2-40B4-BE49-F238E27FC236}">
+                <a16:creationId xmlns:a16="http://schemas.microsoft.com/office/drawing/2014/main" id="{09E43C26-D68B-483D-8412-DA06D53CE28E}"/>
+              </a:ext>
+            </a:extLst>
+          </p:cNvPr>
+          <p:cNvSpPr>
+            <a:spLocks noGrp="1"/>
+          </p:cNvSpPr>
+          <p:nvPr>
+            <p:ph type="title"/>
+          </p:nvPr>
+        </p:nvSpPr>
+        <p:spPr/>
+        <p:txBody>
+          <a:bodyPr/>
+          <a:lstStyle/>
+          <a:p>
+            <a:endParaRPr lang="pt-BR"/>
+          </a:p>
+        </p:txBody>
+      </p:sp>
+      <p:pic>
+        <p:nvPicPr>
+          <p:cNvPr id="5" name="Espaço Reservado para Conteúdo 4" descr="Diagrama&#10;&#10;Descrição gerada automaticamente">
+            <a:extLst>
+              <a:ext uri="{FF2B5EF4-FFF2-40B4-BE49-F238E27FC236}">
+                <a16:creationId xmlns:a16="http://schemas.microsoft.com/office/drawing/2014/main" id="{CC93F6A8-F5A1-4C15-A174-72A435213938}"/>
+              </a:ext>
+            </a:extLst>
+          </p:cNvPr>
+          <p:cNvPicPr>
+            <a:picLocks noGrp="1" noChangeAspect="1"/>
+          </p:cNvPicPr>
+          <p:nvPr>
+            <p:ph idx="1"/>
+          </p:nvPr>
+        </p:nvPicPr>
+        <p:blipFill>
+          <a:blip r:embed="rId2">
+            <a:extLst>
+              <a:ext uri="{28A0092B-C50C-407E-A947-70E740481C1C}">
+                <a14:useLocalDpi xmlns:a14="http://schemas.microsoft.com/office/drawing/2010/main" val="0"/>
+              </a:ext>
+            </a:extLst>
+          </a:blip>
+          <a:stretch>
+            <a:fillRect/>
+          </a:stretch>
+        </p:blipFill>
+        <p:spPr>
+          <a:xfrm>
+            <a:off x="721839" y="654540"/>
+            <a:ext cx="10757397" cy="5426938"/>
+          </a:xfrm>
+        </p:spPr>
+      </p:pic>
+    </p:spTree>
+    <p:extLst>
+      <p:ext uri="{BB962C8B-B14F-4D97-AF65-F5344CB8AC3E}">
+        <p14:creationId xmlns:p14="http://schemas.microsoft.com/office/powerpoint/2010/main" val="3984078246"/>
+      </p:ext>
+    </p:extLst>
+  </p:cSld>
+  <p:clrMapOvr>
+    <a:masterClrMapping/>
+  </p:clrMapOvr>
+</p:sld>
+</file>
+
+<file path=ppt/slides/slide11.xml><?xml version="1.0" encoding="utf-8"?>
+<p:sld xmlns:a="http://schemas.openxmlformats.org/drawingml/2006/main" xmlns:r="http://schemas.openxmlformats.org/officeDocument/2006/relationships" xmlns:p="http://schemas.openxmlformats.org/presentationml/2006/main">
+  <p:cSld>
+    <p:spTree>
+      <p:nvGrpSpPr>
+        <p:cNvPr id="1" name=""/>
+        <p:cNvGrpSpPr/>
+        <p:nvPr/>
+      </p:nvGrpSpPr>
+      <p:grpSpPr>
+        <a:xfrm>
+          <a:off x="0" y="0"/>
+          <a:ext cx="0" cy="0"/>
+          <a:chOff x="0" y="0"/>
+          <a:chExt cx="0" cy="0"/>
+        </a:xfrm>
+      </p:grpSpPr>
+      <p:pic>
+        <p:nvPicPr>
+          <p:cNvPr id="5" name="Espaço Reservado para Conteúdo 4" descr="Diagrama&#10;&#10;Descrição gerada automaticamente">
+            <a:extLst>
+              <a:ext uri="{FF2B5EF4-FFF2-40B4-BE49-F238E27FC236}">
+                <a16:creationId xmlns:a16="http://schemas.microsoft.com/office/drawing/2014/main" id="{EF2AB4BA-B1D2-49DE-80F6-9186644F13F6}"/>
+              </a:ext>
+            </a:extLst>
+          </p:cNvPr>
+          <p:cNvPicPr>
+            <a:picLocks noGrp="1" noChangeAspect="1"/>
+          </p:cNvPicPr>
+          <p:nvPr>
+            <p:ph idx="1"/>
+          </p:nvPr>
+        </p:nvPicPr>
+        <p:blipFill>
+          <a:blip r:embed="rId2">
+            <a:extLst>
+              <a:ext uri="{28A0092B-C50C-407E-A947-70E740481C1C}">
+                <a14:useLocalDpi xmlns:a14="http://schemas.microsoft.com/office/drawing/2010/main" val="0"/>
+              </a:ext>
+            </a:extLst>
+          </a:blip>
+          <a:stretch>
+            <a:fillRect/>
+          </a:stretch>
+        </p:blipFill>
+        <p:spPr>
+          <a:xfrm>
+            <a:off x="188374" y="757808"/>
+            <a:ext cx="11567528" cy="5073886"/>
+          </a:xfrm>
+        </p:spPr>
+      </p:pic>
+    </p:spTree>
+    <p:extLst>
+      <p:ext uri="{BB962C8B-B14F-4D97-AF65-F5344CB8AC3E}">
+        <p14:creationId xmlns:p14="http://schemas.microsoft.com/office/powerpoint/2010/main" val="761438354"/>
+      </p:ext>
+    </p:extLst>
+  </p:cSld>
+  <p:clrMapOvr>
+    <a:masterClrMapping/>
+  </p:clrMapOvr>
+</p:sld>
+</file>
+
+<file path=ppt/slides/slide12.xml><?xml version="1.0" encoding="utf-8"?>
+<p:sld xmlns:a="http://schemas.openxmlformats.org/drawingml/2006/main" xmlns:r="http://schemas.openxmlformats.org/officeDocument/2006/relationships" xmlns:p="http://schemas.openxmlformats.org/presentationml/2006/main">
+  <p:cSld>
+    <p:spTree>
+      <p:nvGrpSpPr>
+        <p:cNvPr id="1" name=""/>
+        <p:cNvGrpSpPr/>
+        <p:nvPr/>
+      </p:nvGrpSpPr>
+      <p:grpSpPr>
+        <a:xfrm>
+          <a:off x="0" y="0"/>
+          <a:ext cx="0" cy="0"/>
+          <a:chOff x="0" y="0"/>
+          <a:chExt cx="0" cy="0"/>
+        </a:xfrm>
+      </p:grpSpPr>
+      <p:sp>
+        <p:nvSpPr>
+          <p:cNvPr id="2" name="Título 1">
+            <a:extLst>
+              <a:ext uri="{FF2B5EF4-FFF2-40B4-BE49-F238E27FC236}">
                 <a16:creationId xmlns:a16="http://schemas.microsoft.com/office/drawing/2014/main" id="{AEA8DDB4-9A07-4597-94A8-49FD717EE8C1}"/>
               </a:ext>
             </a:extLst>
@@ -5017,18 +6175,46 @@
       </p:grpSpPr>
       <p:sp>
         <p:nvSpPr>
-          <p:cNvPr id="2" name="Título 1">
-            <a:extLst>
-              <a:ext uri="{FF2B5EF4-FFF2-40B4-BE49-F238E27FC236}">
-                <a16:creationId xmlns:a16="http://schemas.microsoft.com/office/drawing/2014/main" id="{74B6CBF7-1FDD-42DD-A67C-08EC4C816892}"/>
-              </a:ext>
-            </a:extLst>
-          </p:cNvPr>
-          <p:cNvSpPr>
-            <a:spLocks noGrp="1"/>
-          </p:cNvSpPr>
-          <p:nvPr>
-            <p:ph type="title"/>
+          <p:cNvPr id="3" name="Espaço Reservado para Número de Slide 2"/>
+          <p:cNvSpPr>
+            <a:spLocks noGrp="1"/>
+          </p:cNvSpPr>
+          <p:nvPr>
+            <p:ph type="sldNum" sz="quarter" idx="4"/>
+          </p:nvPr>
+        </p:nvSpPr>
+        <p:spPr>
+          <a:xfrm>
+            <a:off x="10815737" y="6563746"/>
+            <a:ext cx="570147" cy="194349"/>
+          </a:xfrm>
+        </p:spPr>
+        <p:txBody>
+          <a:bodyPr/>
+          <a:lstStyle/>
+          <a:p>
+            <a:pPr>
+              <a:defRPr/>
+            </a:pPr>
+            <a:fld id="{B66251D2-9488-44CD-87B4-F793A73C4A01}" type="slidenum">
+              <a:rPr lang="pt-BR" smtClean="0"/>
+              <a:pPr>
+                <a:defRPr/>
+              </a:pPr>
+              <a:t>5</a:t>
+            </a:fld>
+            <a:endParaRPr lang="pt-BR" sz="798"/>
+          </a:p>
+        </p:txBody>
+      </p:sp>
+      <p:sp>
+        <p:nvSpPr>
+          <p:cNvPr id="4" name="Espaço Reservado para Texto 3"/>
+          <p:cNvSpPr>
+            <a:spLocks noGrp="1"/>
+          </p:cNvSpPr>
+          <p:nvPr>
+            <p:ph type="body" sz="quarter" idx="13"/>
           </p:nvPr>
         </p:nvSpPr>
         <p:spPr/>
@@ -5036,49 +6222,745 @@
           <a:bodyPr/>
           <a:lstStyle/>
           <a:p>
-            <a:endParaRPr lang="pt-BR"/>
+            <a:r>
+              <a:rPr lang="pt-BR" dirty="0"/>
+              <a:t>2. </a:t>
+            </a:r>
+            <a:r>
+              <a:rPr lang="pt-BR" dirty="0" err="1"/>
+              <a:t>Proto-Persona</a:t>
+            </a:r>
+            <a:r>
+              <a:rPr lang="pt-BR" dirty="0"/>
+              <a:t> 1 – Usuário/Necessidades</a:t>
+            </a:r>
+          </a:p>
+        </p:txBody>
+      </p:sp>
+      <p:sp>
+        <p:nvSpPr>
+          <p:cNvPr id="6" name="Retângulo 5"/>
+          <p:cNvSpPr/>
+          <p:nvPr/>
+        </p:nvSpPr>
+        <p:spPr>
+          <a:xfrm>
+            <a:off x="843046" y="1273862"/>
+            <a:ext cx="5223996" cy="2611998"/>
+          </a:xfrm>
+          <a:prstGeom prst="rect">
+            <a:avLst/>
+          </a:prstGeom>
+          <a:noFill/>
+          <a:ln>
+            <a:solidFill>
+              <a:srgbClr val="253746"/>
+            </a:solidFill>
+          </a:ln>
+        </p:spPr>
+        <p:style>
+          <a:lnRef idx="2">
+            <a:schemeClr val="accent1">
+              <a:shade val="50000"/>
+            </a:schemeClr>
+          </a:lnRef>
+          <a:fillRef idx="1">
+            <a:schemeClr val="accent1"/>
+          </a:fillRef>
+          <a:effectRef idx="0">
+            <a:schemeClr val="accent1"/>
+          </a:effectRef>
+          <a:fontRef idx="minor">
+            <a:schemeClr val="lt1"/>
+          </a:fontRef>
+        </p:style>
+        <p:txBody>
+          <a:bodyPr rtlCol="0" anchor="ctr"/>
+          <a:lstStyle/>
+          <a:p>
+            <a:pPr algn="ctr"/>
+            <a:endParaRPr lang="pt-BR" sz="1632"/>
+          </a:p>
+        </p:txBody>
+      </p:sp>
+      <p:sp>
+        <p:nvSpPr>
+          <p:cNvPr id="7" name="Retângulo 6"/>
+          <p:cNvSpPr/>
+          <p:nvPr/>
+        </p:nvSpPr>
+        <p:spPr>
+          <a:xfrm>
+            <a:off x="843046" y="3951711"/>
+            <a:ext cx="10513300" cy="2371178"/>
+          </a:xfrm>
+          <a:prstGeom prst="rect">
+            <a:avLst/>
+          </a:prstGeom>
+          <a:noFill/>
+          <a:ln>
+            <a:solidFill>
+              <a:srgbClr val="253746"/>
+            </a:solidFill>
+          </a:ln>
+        </p:spPr>
+        <p:style>
+          <a:lnRef idx="2">
+            <a:schemeClr val="accent1">
+              <a:shade val="50000"/>
+            </a:schemeClr>
+          </a:lnRef>
+          <a:fillRef idx="1">
+            <a:schemeClr val="accent1"/>
+          </a:fillRef>
+          <a:effectRef idx="0">
+            <a:schemeClr val="accent1"/>
+          </a:effectRef>
+          <a:fontRef idx="minor">
+            <a:schemeClr val="lt1"/>
+          </a:fontRef>
+        </p:style>
+        <p:txBody>
+          <a:bodyPr rtlCol="0" anchor="ctr"/>
+          <a:lstStyle/>
+          <a:p>
+            <a:pPr algn="ctr"/>
+            <a:endParaRPr lang="pt-BR" sz="1632"/>
+          </a:p>
+        </p:txBody>
+      </p:sp>
+      <p:sp>
+        <p:nvSpPr>
+          <p:cNvPr id="9" name="Retângulo 8"/>
+          <p:cNvSpPr/>
+          <p:nvPr/>
+        </p:nvSpPr>
+        <p:spPr>
+          <a:xfrm>
+            <a:off x="6132350" y="1274116"/>
+            <a:ext cx="5223996" cy="2611998"/>
+          </a:xfrm>
+          <a:prstGeom prst="rect">
+            <a:avLst/>
+          </a:prstGeom>
+          <a:noFill/>
+          <a:ln>
+            <a:solidFill>
+              <a:srgbClr val="253746"/>
+            </a:solidFill>
+          </a:ln>
+        </p:spPr>
+        <p:style>
+          <a:lnRef idx="2">
+            <a:schemeClr val="accent1">
+              <a:shade val="50000"/>
+            </a:schemeClr>
+          </a:lnRef>
+          <a:fillRef idx="1">
+            <a:schemeClr val="accent1"/>
+          </a:fillRef>
+          <a:effectRef idx="0">
+            <a:schemeClr val="accent1"/>
+          </a:effectRef>
+          <a:fontRef idx="minor">
+            <a:schemeClr val="lt1"/>
+          </a:fontRef>
+        </p:style>
+        <p:txBody>
+          <a:bodyPr rtlCol="0" anchor="ctr"/>
+          <a:lstStyle/>
+          <a:p>
+            <a:pPr algn="ctr"/>
+            <a:endParaRPr lang="pt-BR" sz="1632"/>
+          </a:p>
+        </p:txBody>
+      </p:sp>
+      <p:sp>
+        <p:nvSpPr>
+          <p:cNvPr id="10" name="Espaço Reservado para Texto 1"/>
+          <p:cNvSpPr>
+            <a:spLocks noGrp="1"/>
+          </p:cNvSpPr>
+          <p:nvPr>
+            <p:ph type="body" sz="quarter" idx="11"/>
+          </p:nvPr>
+        </p:nvSpPr>
+        <p:spPr>
+          <a:xfrm>
+            <a:off x="1952689" y="686097"/>
+            <a:ext cx="11065876" cy="1306541"/>
+          </a:xfrm>
+        </p:spPr>
+        <p:txBody>
+          <a:bodyPr/>
+          <a:lstStyle/>
+          <a:p>
+            <a:pPr marL="0" indent="0">
+              <a:buNone/>
+            </a:pPr>
+            <a:r>
+              <a:rPr lang="pt-BR" sz="2902" dirty="0"/>
+              <a:t>Usuário frequente da biblioteca(Aluno/Desenvolvedor)</a:t>
+            </a:r>
+          </a:p>
+        </p:txBody>
+      </p:sp>
+      <p:sp>
+        <p:nvSpPr>
+          <p:cNvPr id="12" name="Retângulo 11"/>
+          <p:cNvSpPr/>
+          <p:nvPr/>
+        </p:nvSpPr>
+        <p:spPr>
+          <a:xfrm>
+            <a:off x="2684181" y="1614615"/>
+            <a:ext cx="3626681" cy="1823191"/>
+          </a:xfrm>
+          <a:prstGeom prst="rect">
+            <a:avLst/>
+          </a:prstGeom>
+        </p:spPr>
+        <p:txBody>
+          <a:bodyPr wrap="square">
+            <a:spAutoFit/>
+          </a:bodyPr>
+          <a:lstStyle/>
+          <a:p>
+            <a:r>
+              <a:rPr lang="pt-BR" sz="2539" b="1" i="1" dirty="0">
+                <a:latin typeface="Exo 2" panose="00000500000000000000" pitchFamily="50" charset="0"/>
+              </a:rPr>
+              <a:t>Gabriel</a:t>
+            </a:r>
+          </a:p>
+          <a:p>
+            <a:r>
+              <a:rPr lang="pt-BR" sz="2177" i="1" dirty="0">
+                <a:latin typeface="Exo 2" panose="00000500000000000000" pitchFamily="50" charset="0"/>
+              </a:rPr>
+              <a:t>“Tenho dificuldade em encontrar livros sobre temas específicos que desejo aprender.”</a:t>
+            </a:r>
+          </a:p>
+        </p:txBody>
+      </p:sp>
+      <p:sp>
+        <p:nvSpPr>
+          <p:cNvPr id="13" name="Retângulo 12"/>
+          <p:cNvSpPr/>
+          <p:nvPr/>
+        </p:nvSpPr>
+        <p:spPr>
+          <a:xfrm>
+            <a:off x="6243963" y="1722316"/>
+            <a:ext cx="5223996" cy="2353658"/>
+          </a:xfrm>
+          <a:prstGeom prst="rect">
+            <a:avLst/>
+          </a:prstGeom>
+        </p:spPr>
+        <p:txBody>
+          <a:bodyPr wrap="square">
+            <a:spAutoFit/>
+          </a:bodyPr>
+          <a:lstStyle/>
+          <a:p>
+            <a:pPr marL="310976" indent="-310976">
+              <a:buFont typeface="Arial" panose="020B0604020202020204" pitchFamily="34" charset="0"/>
+              <a:buChar char="•"/>
+            </a:pPr>
+            <a:r>
+              <a:rPr lang="pt-BR" sz="2177" dirty="0">
+                <a:latin typeface="Exo 2" panose="00000500000000000000" pitchFamily="50" charset="0"/>
+              </a:rPr>
+              <a:t>Ocupado;</a:t>
+            </a:r>
+          </a:p>
+          <a:p>
+            <a:pPr marL="310976" indent="-310976">
+              <a:buFont typeface="Arial" panose="020B0604020202020204" pitchFamily="34" charset="0"/>
+              <a:buChar char="•"/>
+            </a:pPr>
+            <a:r>
+              <a:rPr lang="pt-BR" sz="2177" dirty="0">
+                <a:latin typeface="Exo 2" panose="00000500000000000000" pitchFamily="50" charset="0"/>
+              </a:rPr>
+              <a:t>Estudioso;</a:t>
+            </a:r>
+          </a:p>
+          <a:p>
+            <a:pPr marL="310976" indent="-310976">
+              <a:buFont typeface="Arial" panose="020B0604020202020204" pitchFamily="34" charset="0"/>
+              <a:buChar char="•"/>
+            </a:pPr>
+            <a:r>
+              <a:rPr lang="pt-BR" sz="2177" dirty="0">
+                <a:latin typeface="Exo 2" panose="00000500000000000000" pitchFamily="50" charset="0"/>
+              </a:rPr>
+              <a:t>Necessidade de obter informação;</a:t>
+            </a:r>
+          </a:p>
+          <a:p>
+            <a:pPr marL="310976" indent="-310976">
+              <a:buFont typeface="Arial" panose="020B0604020202020204" pitchFamily="34" charset="0"/>
+              <a:buChar char="•"/>
+            </a:pPr>
+            <a:r>
+              <a:rPr lang="pt-BR" sz="2177" dirty="0">
+                <a:latin typeface="Exo 2" panose="00000500000000000000" pitchFamily="50" charset="0"/>
+              </a:rPr>
+              <a:t>Jogos online;</a:t>
+            </a:r>
+          </a:p>
+          <a:p>
+            <a:pPr marL="310976" indent="-310976">
+              <a:buFont typeface="Arial" panose="020B0604020202020204" pitchFamily="34" charset="0"/>
+              <a:buChar char="•"/>
+            </a:pPr>
+            <a:r>
+              <a:rPr lang="pt-BR" sz="2177" dirty="0">
+                <a:latin typeface="Exo 2" panose="00000500000000000000" pitchFamily="50" charset="0"/>
+              </a:rPr>
+              <a:t>Conectado no mundo virtual;</a:t>
+            </a:r>
+          </a:p>
+          <a:p>
+            <a:pPr marL="310976" indent="-310976">
+              <a:buFont typeface="Arial" panose="020B0604020202020204" pitchFamily="34" charset="0"/>
+              <a:buChar char="•"/>
+            </a:pPr>
+            <a:r>
+              <a:rPr lang="pt-BR" sz="2177" dirty="0">
+                <a:latin typeface="Exo 2" panose="00000500000000000000" pitchFamily="50" charset="0"/>
+              </a:rPr>
+              <a:t>Desenvolvedor.</a:t>
+            </a:r>
+          </a:p>
+          <a:p>
+            <a:endParaRPr lang="pt-BR" sz="1632" dirty="0">
+              <a:latin typeface="Exo 2" panose="00000500000000000000" pitchFamily="50" charset="0"/>
+            </a:endParaRPr>
+          </a:p>
+        </p:txBody>
+      </p:sp>
+      <p:sp>
+        <p:nvSpPr>
+          <p:cNvPr id="16" name="Retângulo 15"/>
+          <p:cNvSpPr/>
+          <p:nvPr/>
+        </p:nvSpPr>
+        <p:spPr>
+          <a:xfrm>
+            <a:off x="1157839" y="6016822"/>
+            <a:ext cx="3950762" cy="287771"/>
+          </a:xfrm>
+          <a:prstGeom prst="rect">
+            <a:avLst/>
+          </a:prstGeom>
+        </p:spPr>
+        <p:txBody>
+          <a:bodyPr wrap="none">
+            <a:spAutoFit/>
+          </a:bodyPr>
+          <a:lstStyle/>
+          <a:p>
+            <a:r>
+              <a:rPr lang="pt-BR" sz="1270" dirty="0"/>
+              <a:t>Modelo baseado em </a:t>
+            </a:r>
+            <a:r>
+              <a:rPr lang="pt-BR" sz="1270" dirty="0" err="1"/>
+              <a:t>Lean</a:t>
+            </a:r>
+            <a:r>
+              <a:rPr lang="pt-BR" sz="1270" dirty="0"/>
+              <a:t> UX. Não é amostra estatística. </a:t>
+            </a:r>
+          </a:p>
+        </p:txBody>
+      </p:sp>
+      <p:sp>
+        <p:nvSpPr>
+          <p:cNvPr id="18" name="Retângulo 17"/>
+          <p:cNvSpPr/>
+          <p:nvPr/>
+        </p:nvSpPr>
+        <p:spPr>
+          <a:xfrm>
+            <a:off x="6253019" y="1429358"/>
+            <a:ext cx="3716153" cy="315599"/>
+          </a:xfrm>
+          <a:prstGeom prst="rect">
+            <a:avLst/>
+          </a:prstGeom>
+        </p:spPr>
+        <p:txBody>
+          <a:bodyPr wrap="square">
+            <a:spAutoFit/>
+          </a:bodyPr>
+          <a:lstStyle/>
+          <a:p>
+            <a:r>
+              <a:rPr lang="pt-BR" sz="1451" b="1" dirty="0">
+                <a:solidFill>
+                  <a:srgbClr val="E6005A"/>
+                </a:solidFill>
+                <a:latin typeface="Exo 2" panose="00000500000000000000" pitchFamily="50" charset="0"/>
+              </a:rPr>
+              <a:t>Palavras/frases que definem a persona</a:t>
+            </a:r>
+          </a:p>
+        </p:txBody>
+      </p:sp>
+      <p:sp>
+        <p:nvSpPr>
+          <p:cNvPr id="19" name="Retângulo 18"/>
+          <p:cNvSpPr/>
+          <p:nvPr/>
+        </p:nvSpPr>
+        <p:spPr>
+          <a:xfrm>
+            <a:off x="926786" y="3951458"/>
+            <a:ext cx="2556926" cy="315599"/>
+          </a:xfrm>
+          <a:prstGeom prst="rect">
+            <a:avLst/>
+          </a:prstGeom>
+        </p:spPr>
+        <p:txBody>
+          <a:bodyPr wrap="square">
+            <a:spAutoFit/>
+          </a:bodyPr>
+          <a:lstStyle/>
+          <a:p>
+            <a:r>
+              <a:rPr lang="pt-BR" sz="1451" b="1">
+                <a:solidFill>
+                  <a:srgbClr val="E6005A"/>
+                </a:solidFill>
+                <a:latin typeface="Exo 2" panose="00000500000000000000" pitchFamily="50" charset="0"/>
+              </a:rPr>
+              <a:t>Dores e Necessidades</a:t>
+            </a:r>
+          </a:p>
+        </p:txBody>
+      </p:sp>
+      <p:sp>
+        <p:nvSpPr>
+          <p:cNvPr id="14" name="Retângulo 13"/>
+          <p:cNvSpPr/>
+          <p:nvPr/>
+        </p:nvSpPr>
+        <p:spPr>
+          <a:xfrm>
+            <a:off x="835075" y="4274305"/>
+            <a:ext cx="9460209" cy="2269789"/>
+          </a:xfrm>
+          <a:prstGeom prst="rect">
+            <a:avLst/>
+          </a:prstGeom>
+        </p:spPr>
+        <p:txBody>
+          <a:bodyPr wrap="square">
+            <a:spAutoFit/>
+          </a:bodyPr>
+          <a:lstStyle/>
+          <a:p>
+            <a:pPr marL="310976" indent="-310976">
+              <a:buFont typeface="Arial" panose="020B0604020202020204" pitchFamily="34" charset="0"/>
+              <a:buChar char="•"/>
+            </a:pPr>
+            <a:r>
+              <a:rPr lang="pt-BR" sz="2177" dirty="0">
+                <a:latin typeface="Exo 2" panose="00000500000000000000" pitchFamily="50" charset="0"/>
+              </a:rPr>
+              <a:t>Dificuldade em identificar o status do livro.</a:t>
+            </a:r>
+          </a:p>
+          <a:p>
+            <a:pPr marL="310976" indent="-310976">
+              <a:buFont typeface="Arial" panose="020B0604020202020204" pitchFamily="34" charset="0"/>
+              <a:buChar char="•"/>
+            </a:pPr>
+            <a:r>
+              <a:rPr lang="pt-BR" sz="2177" dirty="0">
+                <a:latin typeface="Exo 2" panose="00000500000000000000" pitchFamily="50" charset="0"/>
+              </a:rPr>
+              <a:t>Procurar livros por temas e assuntos específicos;</a:t>
+            </a:r>
+          </a:p>
+          <a:p>
+            <a:pPr marL="310976" indent="-310976">
+              <a:buFont typeface="Arial" panose="020B0604020202020204" pitchFamily="34" charset="0"/>
+              <a:buChar char="•"/>
+            </a:pPr>
+            <a:r>
+              <a:rPr lang="pt-BR" sz="2177" dirty="0">
+                <a:latin typeface="Exo 2" panose="00000500000000000000" pitchFamily="50" charset="0"/>
+              </a:rPr>
+              <a:t>Dificuldade em saber quais livros a biblioteca contém;</a:t>
+            </a:r>
+          </a:p>
+          <a:p>
+            <a:pPr marL="310976" indent="-310976">
+              <a:buFont typeface="Arial" panose="020B0604020202020204" pitchFamily="34" charset="0"/>
+              <a:buChar char="•"/>
+            </a:pPr>
+            <a:r>
+              <a:rPr lang="pt-BR" sz="2177" dirty="0">
+                <a:latin typeface="Exo 2" panose="00000500000000000000" pitchFamily="50" charset="0"/>
+              </a:rPr>
+              <a:t>Gostaria de reservar com antecedência;</a:t>
+            </a:r>
+          </a:p>
+          <a:p>
+            <a:pPr marL="310976" indent="-310976">
+              <a:buFont typeface="Arial" panose="020B0604020202020204" pitchFamily="34" charset="0"/>
+              <a:buChar char="•"/>
+            </a:pPr>
+            <a:r>
+              <a:rPr lang="pt-BR" sz="2177" dirty="0">
+                <a:latin typeface="Exo 2" panose="00000500000000000000" pitchFamily="50" charset="0"/>
+              </a:rPr>
+              <a:t>Dificuldade em obter recomendação de livros.</a:t>
+            </a:r>
+          </a:p>
+          <a:p>
+            <a:pPr marL="310976" indent="-310976">
+              <a:buFont typeface="Arial" panose="020B0604020202020204" pitchFamily="34" charset="0"/>
+              <a:buChar char="•"/>
+            </a:pPr>
+            <a:endParaRPr lang="pt-BR" sz="1632" dirty="0">
+              <a:latin typeface="Exo 2" panose="00000500000000000000" pitchFamily="50" charset="0"/>
+            </a:endParaRPr>
+          </a:p>
+          <a:p>
+            <a:pPr marL="310976" indent="-310976">
+              <a:buFont typeface="Arial" panose="020B0604020202020204" pitchFamily="34" charset="0"/>
+              <a:buChar char="•"/>
+            </a:pPr>
+            <a:endParaRPr lang="pt-BR" sz="1632" dirty="0">
+              <a:latin typeface="Exo 2" panose="00000500000000000000" pitchFamily="50" charset="0"/>
+            </a:endParaRPr>
+          </a:p>
+        </p:txBody>
+      </p:sp>
+      <p:sp>
+        <p:nvSpPr>
+          <p:cNvPr id="20" name="Espaço Reservado para Número de Slide 2"/>
+          <p:cNvSpPr txBox="1">
+            <a:spLocks/>
+          </p:cNvSpPr>
+          <p:nvPr/>
+        </p:nvSpPr>
+        <p:spPr bwMode="auto">
+          <a:xfrm>
+            <a:off x="11432460" y="6563746"/>
+            <a:ext cx="570147" cy="194349"/>
+          </a:xfrm>
+          <a:prstGeom prst="rect">
+            <a:avLst/>
+          </a:prstGeom>
+          <a:noFill/>
+          <a:ln w="9525">
+            <a:noFill/>
+            <a:miter lim="800000"/>
+            <a:headEnd/>
+            <a:tailEnd/>
+          </a:ln>
+          <a:effectLst/>
+        </p:spPr>
+        <p:txBody>
+          <a:bodyPr vert="horz" wrap="square" lIns="16325" tIns="9795" rIns="16325" bIns="9795" numCol="1" anchor="t" anchorCtr="0" compatLnSpc="1">
+            <a:prstTxWarp prst="textNoShape">
+              <a:avLst/>
+            </a:prstTxWarp>
+          </a:bodyPr>
+          <a:lstStyle>
+            <a:defPPr>
+              <a:defRPr lang="pt-BR"/>
+            </a:defPPr>
+            <a:lvl1pPr marL="0" algn="r" defTabSz="1043056" rtl="0" eaLnBrk="1" latinLnBrk="0" hangingPunct="1">
+              <a:spcBef>
+                <a:spcPct val="0"/>
+              </a:spcBef>
+              <a:spcAft>
+                <a:spcPct val="0"/>
+              </a:spcAft>
+              <a:defRPr sz="1257" b="1" kern="1200">
+                <a:solidFill>
+                  <a:schemeClr val="bg1"/>
+                </a:solidFill>
+                <a:latin typeface="Exo 2" pitchFamily="50" charset="0"/>
+                <a:ea typeface="Tahoma" pitchFamily="34" charset="0"/>
+                <a:cs typeface="Tahoma" pitchFamily="34" charset="0"/>
+              </a:defRPr>
+            </a:lvl1pPr>
+            <a:lvl2pPr marL="521528" algn="l" defTabSz="1043056" rtl="0" eaLnBrk="1" latinLnBrk="0" hangingPunct="1">
+              <a:defRPr sz="2100" kern="1200">
+                <a:solidFill>
+                  <a:schemeClr val="tx1"/>
+                </a:solidFill>
+                <a:latin typeface="+mn-lt"/>
+                <a:ea typeface="+mn-ea"/>
+                <a:cs typeface="+mn-cs"/>
+              </a:defRPr>
+            </a:lvl2pPr>
+            <a:lvl3pPr marL="1043056" algn="l" defTabSz="1043056" rtl="0" eaLnBrk="1" latinLnBrk="0" hangingPunct="1">
+              <a:defRPr sz="2100" kern="1200">
+                <a:solidFill>
+                  <a:schemeClr val="tx1"/>
+                </a:solidFill>
+                <a:latin typeface="+mn-lt"/>
+                <a:ea typeface="+mn-ea"/>
+                <a:cs typeface="+mn-cs"/>
+              </a:defRPr>
+            </a:lvl3pPr>
+            <a:lvl4pPr marL="1564584" algn="l" defTabSz="1043056" rtl="0" eaLnBrk="1" latinLnBrk="0" hangingPunct="1">
+              <a:defRPr sz="2100" kern="1200">
+                <a:solidFill>
+                  <a:schemeClr val="tx1"/>
+                </a:solidFill>
+                <a:latin typeface="+mn-lt"/>
+                <a:ea typeface="+mn-ea"/>
+                <a:cs typeface="+mn-cs"/>
+              </a:defRPr>
+            </a:lvl4pPr>
+            <a:lvl5pPr marL="2086112" algn="l" defTabSz="1043056" rtl="0" eaLnBrk="1" latinLnBrk="0" hangingPunct="1">
+              <a:defRPr sz="2100" kern="1200">
+                <a:solidFill>
+                  <a:schemeClr val="tx1"/>
+                </a:solidFill>
+                <a:latin typeface="+mn-lt"/>
+                <a:ea typeface="+mn-ea"/>
+                <a:cs typeface="+mn-cs"/>
+              </a:defRPr>
+            </a:lvl5pPr>
+            <a:lvl6pPr marL="2607640" algn="l" defTabSz="1043056" rtl="0" eaLnBrk="1" latinLnBrk="0" hangingPunct="1">
+              <a:defRPr sz="2100" kern="1200">
+                <a:solidFill>
+                  <a:schemeClr val="tx1"/>
+                </a:solidFill>
+                <a:latin typeface="+mn-lt"/>
+                <a:ea typeface="+mn-ea"/>
+                <a:cs typeface="+mn-cs"/>
+              </a:defRPr>
+            </a:lvl6pPr>
+            <a:lvl7pPr marL="3129168" algn="l" defTabSz="1043056" rtl="0" eaLnBrk="1" latinLnBrk="0" hangingPunct="1">
+              <a:defRPr sz="2100" kern="1200">
+                <a:solidFill>
+                  <a:schemeClr val="tx1"/>
+                </a:solidFill>
+                <a:latin typeface="+mn-lt"/>
+                <a:ea typeface="+mn-ea"/>
+                <a:cs typeface="+mn-cs"/>
+              </a:defRPr>
+            </a:lvl7pPr>
+            <a:lvl8pPr marL="3650696" algn="l" defTabSz="1043056" rtl="0" eaLnBrk="1" latinLnBrk="0" hangingPunct="1">
+              <a:defRPr sz="2100" kern="1200">
+                <a:solidFill>
+                  <a:schemeClr val="tx1"/>
+                </a:solidFill>
+                <a:latin typeface="+mn-lt"/>
+                <a:ea typeface="+mn-ea"/>
+                <a:cs typeface="+mn-cs"/>
+              </a:defRPr>
+            </a:lvl8pPr>
+            <a:lvl9pPr marL="4172224" algn="l" defTabSz="1043056" rtl="0" eaLnBrk="1" latinLnBrk="0" hangingPunct="1">
+              <a:defRPr sz="2100" kern="1200">
+                <a:solidFill>
+                  <a:schemeClr val="tx1"/>
+                </a:solidFill>
+                <a:latin typeface="+mn-lt"/>
+                <a:ea typeface="+mn-ea"/>
+                <a:cs typeface="+mn-cs"/>
+              </a:defRPr>
+            </a:lvl9pPr>
+          </a:lstStyle>
+          <a:p>
+            <a:pPr>
+              <a:defRPr/>
+            </a:pPr>
+            <a:r>
+              <a:rPr lang="pt-BR" sz="1140"/>
+              <a:t>1</a:t>
+            </a:r>
+            <a:endParaRPr lang="pt-BR" sz="798"/>
+          </a:p>
+        </p:txBody>
+      </p:sp>
+      <p:sp>
+        <p:nvSpPr>
+          <p:cNvPr id="8" name="CaixaDeTexto 7">
+            <a:extLst>
+              <a:ext uri="{FF2B5EF4-FFF2-40B4-BE49-F238E27FC236}">
+                <a16:creationId xmlns:a16="http://schemas.microsoft.com/office/drawing/2014/main" id="{817745C4-7356-4F7B-B463-ABFA79BAD87F}"/>
+              </a:ext>
+            </a:extLst>
+          </p:cNvPr>
+          <p:cNvSpPr txBox="1"/>
+          <p:nvPr/>
+        </p:nvSpPr>
+        <p:spPr>
+          <a:xfrm>
+            <a:off x="2728897" y="3404906"/>
+            <a:ext cx="2435286" cy="427361"/>
+          </a:xfrm>
+          <a:prstGeom prst="rect">
+            <a:avLst/>
+          </a:prstGeom>
+          <a:noFill/>
+        </p:spPr>
+        <p:txBody>
+          <a:bodyPr wrap="square" rtlCol="0">
+            <a:spAutoFit/>
+          </a:bodyPr>
+          <a:lstStyle/>
+          <a:p>
+            <a:r>
+              <a:rPr lang="pt-BR" sz="2177" b="1" dirty="0"/>
+              <a:t>Idade</a:t>
+            </a:r>
+            <a:r>
+              <a:rPr lang="pt-BR" sz="2177" dirty="0"/>
+              <a:t>: 18-28 anos</a:t>
+            </a:r>
           </a:p>
         </p:txBody>
       </p:sp>
       <p:pic>
         <p:nvPicPr>
-          <p:cNvPr id="5" name="Espaço Reservado para Conteúdo 4" descr="Diagrama&#10;&#10;Descrição gerada automaticamente">
-            <a:extLst>
-              <a:ext uri="{FF2B5EF4-FFF2-40B4-BE49-F238E27FC236}">
-                <a16:creationId xmlns:a16="http://schemas.microsoft.com/office/drawing/2014/main" id="{EF2AB4BA-B1D2-49DE-80F6-9186644F13F6}"/>
+          <p:cNvPr id="22" name="Imagem 21" descr="Homem sentado em frente a computador&#10;&#10;Descrição gerada automaticamente">
+            <a:extLst>
+              <a:ext uri="{FF2B5EF4-FFF2-40B4-BE49-F238E27FC236}">
+                <a16:creationId xmlns:a16="http://schemas.microsoft.com/office/drawing/2014/main" id="{933C1BDC-1FB7-45F9-A8C0-C8B210B61EF7}"/>
               </a:ext>
             </a:extLst>
           </p:cNvPr>
           <p:cNvPicPr>
-            <a:picLocks noGrp="1" noChangeAspect="1"/>
+            <a:picLocks noChangeAspect="1"/>
           </p:cNvPicPr>
-          <p:nvPr>
-            <p:ph idx="1"/>
-          </p:nvPr>
+          <p:nvPr/>
         </p:nvPicPr>
         <p:blipFill>
-          <a:blip r:embed="rId2">
-            <a:extLst>
-              <a:ext uri="{28A0092B-C50C-407E-A947-70E740481C1C}">
-                <a14:useLocalDpi xmlns:a14="http://schemas.microsoft.com/office/drawing/2010/main" val="0"/>
-              </a:ext>
-            </a:extLst>
-          </a:blip>
+          <a:blip r:embed="rId2"/>
           <a:stretch>
             <a:fillRect/>
           </a:stretch>
         </p:blipFill>
         <p:spPr>
           <a:xfrm>
-            <a:off x="624472" y="1278313"/>
-            <a:ext cx="11567528" cy="5073886"/>
+            <a:off x="1021963" y="1797874"/>
+            <a:ext cx="1645886" cy="1820843"/>
           </a:xfrm>
+          <a:prstGeom prst="rect">
+            <a:avLst/>
+          </a:prstGeom>
         </p:spPr>
       </p:pic>
     </p:spTree>
     <p:extLst>
       <p:ext uri="{BB962C8B-B14F-4D97-AF65-F5344CB8AC3E}">
-        <p14:creationId xmlns:p14="http://schemas.microsoft.com/office/powerpoint/2010/main" val="761438354"/>
+        <p14:creationId xmlns:p14="http://schemas.microsoft.com/office/powerpoint/2010/main" val="111125703"/>
       </p:ext>
     </p:extLst>
   </p:cSld>
@@ -5107,18 +6989,46 @@
       </p:grpSpPr>
       <p:sp>
         <p:nvSpPr>
-          <p:cNvPr id="2" name="Título 1">
-            <a:extLst>
-              <a:ext uri="{FF2B5EF4-FFF2-40B4-BE49-F238E27FC236}">
-                <a16:creationId xmlns:a16="http://schemas.microsoft.com/office/drawing/2014/main" id="{174CE012-948C-49FD-B53F-78F32F443442}"/>
-              </a:ext>
-            </a:extLst>
-          </p:cNvPr>
-          <p:cNvSpPr>
-            <a:spLocks noGrp="1"/>
-          </p:cNvSpPr>
-          <p:nvPr>
-            <p:ph type="title"/>
+          <p:cNvPr id="3" name="Espaço Reservado para Número de Slide 2"/>
+          <p:cNvSpPr>
+            <a:spLocks noGrp="1"/>
+          </p:cNvSpPr>
+          <p:nvPr>
+            <p:ph type="sldNum" sz="quarter" idx="4"/>
+          </p:nvPr>
+        </p:nvSpPr>
+        <p:spPr>
+          <a:xfrm>
+            <a:off x="10815737" y="6563746"/>
+            <a:ext cx="570147" cy="194349"/>
+          </a:xfrm>
+        </p:spPr>
+        <p:txBody>
+          <a:bodyPr/>
+          <a:lstStyle/>
+          <a:p>
+            <a:pPr>
+              <a:defRPr/>
+            </a:pPr>
+            <a:fld id="{B66251D2-9488-44CD-87B4-F793A73C4A01}" type="slidenum">
+              <a:rPr lang="pt-BR" smtClean="0"/>
+              <a:pPr>
+                <a:defRPr/>
+              </a:pPr>
+              <a:t>6</a:t>
+            </a:fld>
+            <a:endParaRPr lang="pt-BR" sz="798"/>
+          </a:p>
+        </p:txBody>
+      </p:sp>
+      <p:sp>
+        <p:nvSpPr>
+          <p:cNvPr id="4" name="Espaço Reservado para Texto 3"/>
+          <p:cNvSpPr>
+            <a:spLocks noGrp="1"/>
+          </p:cNvSpPr>
+          <p:nvPr>
+            <p:ph type="body" sz="quarter" idx="13"/>
           </p:nvPr>
         </p:nvSpPr>
         <p:spPr/>
@@ -5126,49 +7036,735 @@
           <a:bodyPr/>
           <a:lstStyle/>
           <a:p>
-            <a:endParaRPr lang="pt-BR"/>
+            <a:r>
+              <a:rPr lang="pt-BR" dirty="0"/>
+              <a:t>2. </a:t>
+            </a:r>
+            <a:r>
+              <a:rPr lang="pt-BR" dirty="0" err="1"/>
+              <a:t>Proto-Persona</a:t>
+            </a:r>
+            <a:r>
+              <a:rPr lang="pt-BR" dirty="0"/>
+              <a:t> 1 – Usuário/Necessidades</a:t>
+            </a:r>
+          </a:p>
+        </p:txBody>
+      </p:sp>
+      <p:sp>
+        <p:nvSpPr>
+          <p:cNvPr id="6" name="Retângulo 5"/>
+          <p:cNvSpPr/>
+          <p:nvPr/>
+        </p:nvSpPr>
+        <p:spPr>
+          <a:xfrm>
+            <a:off x="843046" y="1273862"/>
+            <a:ext cx="5223996" cy="2611998"/>
+          </a:xfrm>
+          <a:prstGeom prst="rect">
+            <a:avLst/>
+          </a:prstGeom>
+          <a:noFill/>
+          <a:ln>
+            <a:solidFill>
+              <a:srgbClr val="253746"/>
+            </a:solidFill>
+          </a:ln>
+        </p:spPr>
+        <p:style>
+          <a:lnRef idx="2">
+            <a:schemeClr val="accent1">
+              <a:shade val="50000"/>
+            </a:schemeClr>
+          </a:lnRef>
+          <a:fillRef idx="1">
+            <a:schemeClr val="accent1"/>
+          </a:fillRef>
+          <a:effectRef idx="0">
+            <a:schemeClr val="accent1"/>
+          </a:effectRef>
+          <a:fontRef idx="minor">
+            <a:schemeClr val="lt1"/>
+          </a:fontRef>
+        </p:style>
+        <p:txBody>
+          <a:bodyPr rtlCol="0" anchor="ctr"/>
+          <a:lstStyle/>
+          <a:p>
+            <a:pPr algn="ctr"/>
+            <a:endParaRPr lang="pt-BR" sz="1632"/>
+          </a:p>
+        </p:txBody>
+      </p:sp>
+      <p:sp>
+        <p:nvSpPr>
+          <p:cNvPr id="7" name="Retângulo 6"/>
+          <p:cNvSpPr/>
+          <p:nvPr/>
+        </p:nvSpPr>
+        <p:spPr>
+          <a:xfrm>
+            <a:off x="843046" y="3951711"/>
+            <a:ext cx="10513300" cy="2371178"/>
+          </a:xfrm>
+          <a:prstGeom prst="rect">
+            <a:avLst/>
+          </a:prstGeom>
+          <a:noFill/>
+          <a:ln>
+            <a:solidFill>
+              <a:srgbClr val="253746"/>
+            </a:solidFill>
+          </a:ln>
+        </p:spPr>
+        <p:style>
+          <a:lnRef idx="2">
+            <a:schemeClr val="accent1">
+              <a:shade val="50000"/>
+            </a:schemeClr>
+          </a:lnRef>
+          <a:fillRef idx="1">
+            <a:schemeClr val="accent1"/>
+          </a:fillRef>
+          <a:effectRef idx="0">
+            <a:schemeClr val="accent1"/>
+          </a:effectRef>
+          <a:fontRef idx="minor">
+            <a:schemeClr val="lt1"/>
+          </a:fontRef>
+        </p:style>
+        <p:txBody>
+          <a:bodyPr rtlCol="0" anchor="ctr"/>
+          <a:lstStyle/>
+          <a:p>
+            <a:pPr algn="ctr"/>
+            <a:endParaRPr lang="pt-BR" sz="1632"/>
+          </a:p>
+        </p:txBody>
+      </p:sp>
+      <p:sp>
+        <p:nvSpPr>
+          <p:cNvPr id="9" name="Retângulo 8"/>
+          <p:cNvSpPr/>
+          <p:nvPr/>
+        </p:nvSpPr>
+        <p:spPr>
+          <a:xfrm>
+            <a:off x="6132350" y="1274116"/>
+            <a:ext cx="5223996" cy="2611998"/>
+          </a:xfrm>
+          <a:prstGeom prst="rect">
+            <a:avLst/>
+          </a:prstGeom>
+          <a:noFill/>
+          <a:ln>
+            <a:solidFill>
+              <a:srgbClr val="253746"/>
+            </a:solidFill>
+          </a:ln>
+        </p:spPr>
+        <p:style>
+          <a:lnRef idx="2">
+            <a:schemeClr val="accent1">
+              <a:shade val="50000"/>
+            </a:schemeClr>
+          </a:lnRef>
+          <a:fillRef idx="1">
+            <a:schemeClr val="accent1"/>
+          </a:fillRef>
+          <a:effectRef idx="0">
+            <a:schemeClr val="accent1"/>
+          </a:effectRef>
+          <a:fontRef idx="minor">
+            <a:schemeClr val="lt1"/>
+          </a:fontRef>
+        </p:style>
+        <p:txBody>
+          <a:bodyPr rtlCol="0" anchor="ctr"/>
+          <a:lstStyle/>
+          <a:p>
+            <a:pPr algn="ctr"/>
+            <a:endParaRPr lang="pt-BR" sz="1632"/>
+          </a:p>
+        </p:txBody>
+      </p:sp>
+      <p:sp>
+        <p:nvSpPr>
+          <p:cNvPr id="10" name="Espaço Reservado para Texto 1"/>
+          <p:cNvSpPr>
+            <a:spLocks noGrp="1"/>
+          </p:cNvSpPr>
+          <p:nvPr>
+            <p:ph type="body" sz="quarter" idx="11"/>
+          </p:nvPr>
+        </p:nvSpPr>
+        <p:spPr>
+          <a:xfrm>
+            <a:off x="1952689" y="686097"/>
+            <a:ext cx="11065876" cy="1306541"/>
+          </a:xfrm>
+        </p:spPr>
+        <p:txBody>
+          <a:bodyPr/>
+          <a:lstStyle/>
+          <a:p>
+            <a:pPr marL="0" indent="0">
+              <a:buNone/>
+            </a:pPr>
+            <a:r>
+              <a:rPr lang="pt-BR" sz="2902" dirty="0"/>
+              <a:t>Administrador padrão de uma biblioteca(5X semana)</a:t>
+            </a:r>
+          </a:p>
+        </p:txBody>
+      </p:sp>
+      <p:sp>
+        <p:nvSpPr>
+          <p:cNvPr id="12" name="Retângulo 11"/>
+          <p:cNvSpPr/>
+          <p:nvPr/>
+        </p:nvSpPr>
+        <p:spPr>
+          <a:xfrm>
+            <a:off x="2498278" y="1626727"/>
+            <a:ext cx="3626681" cy="1488164"/>
+          </a:xfrm>
+          <a:prstGeom prst="rect">
+            <a:avLst/>
+          </a:prstGeom>
+        </p:spPr>
+        <p:txBody>
+          <a:bodyPr wrap="square">
+            <a:spAutoFit/>
+          </a:bodyPr>
+          <a:lstStyle/>
+          <a:p>
+            <a:r>
+              <a:rPr lang="pt-BR" sz="2539" dirty="0">
+                <a:latin typeface="Exo 2" panose="00000500000000000000" pitchFamily="50" charset="0"/>
+              </a:rPr>
+              <a:t>Carlos </a:t>
+            </a:r>
+          </a:p>
+          <a:p>
+            <a:r>
+              <a:rPr lang="pt-BR" sz="2177" dirty="0">
+                <a:latin typeface="Exo 2" panose="00000500000000000000" pitchFamily="50" charset="0"/>
+              </a:rPr>
+              <a:t>“O controle de entrada e saída de livros da biblioteca  não  é efetivo.”</a:t>
+            </a:r>
+          </a:p>
+        </p:txBody>
+      </p:sp>
+      <p:sp>
+        <p:nvSpPr>
+          <p:cNvPr id="13" name="Retângulo 12"/>
+          <p:cNvSpPr/>
+          <p:nvPr/>
+        </p:nvSpPr>
+        <p:spPr>
+          <a:xfrm>
+            <a:off x="6197657" y="2008435"/>
+            <a:ext cx="5223996" cy="1599284"/>
+          </a:xfrm>
+          <a:prstGeom prst="rect">
+            <a:avLst/>
+          </a:prstGeom>
+        </p:spPr>
+        <p:txBody>
+          <a:bodyPr wrap="square">
+            <a:spAutoFit/>
+          </a:bodyPr>
+          <a:lstStyle/>
+          <a:p>
+            <a:pPr marL="310976" indent="-310976">
+              <a:buFont typeface="Arial" panose="020B0604020202020204" pitchFamily="34" charset="0"/>
+              <a:buChar char="•"/>
+            </a:pPr>
+            <a:r>
+              <a:rPr lang="pt-BR" sz="1632" dirty="0">
+                <a:latin typeface="Exo 2" panose="00000500000000000000" pitchFamily="50" charset="0"/>
+              </a:rPr>
+              <a:t>Tecnologia, uma facilidade!</a:t>
+            </a:r>
+          </a:p>
+          <a:p>
+            <a:pPr marL="310976" indent="-310976">
+              <a:buFont typeface="Arial" panose="020B0604020202020204" pitchFamily="34" charset="0"/>
+              <a:buChar char="•"/>
+            </a:pPr>
+            <a:r>
+              <a:rPr lang="pt-BR" sz="1632" dirty="0">
+                <a:latin typeface="Exo 2" panose="00000500000000000000" pitchFamily="50" charset="0"/>
+              </a:rPr>
+              <a:t>Gestão;</a:t>
+            </a:r>
+          </a:p>
+          <a:p>
+            <a:pPr marL="310976" indent="-310976">
+              <a:buFont typeface="Arial" panose="020B0604020202020204" pitchFamily="34" charset="0"/>
+              <a:buChar char="•"/>
+            </a:pPr>
+            <a:r>
+              <a:rPr lang="pt-BR" sz="1632" dirty="0">
+                <a:latin typeface="Exo 2" panose="00000500000000000000" pitchFamily="50" charset="0"/>
+              </a:rPr>
+              <a:t>Segurança e precisão;</a:t>
+            </a:r>
+          </a:p>
+          <a:p>
+            <a:pPr marL="310976" indent="-310976">
+              <a:buFont typeface="Arial" panose="020B0604020202020204" pitchFamily="34" charset="0"/>
+              <a:buChar char="•"/>
+            </a:pPr>
+            <a:r>
+              <a:rPr lang="pt-BR" sz="1632" dirty="0">
+                <a:latin typeface="Exo 2" panose="00000500000000000000" pitchFamily="50" charset="0"/>
+              </a:rPr>
+              <a:t>Livros, uma fonte de conhecimento.</a:t>
+            </a:r>
+          </a:p>
+          <a:p>
+            <a:pPr marL="310976" indent="-310976">
+              <a:buFont typeface="Arial" panose="020B0604020202020204" pitchFamily="34" charset="0"/>
+              <a:buChar char="•"/>
+            </a:pPr>
+            <a:r>
+              <a:rPr lang="pt-BR" sz="1632" dirty="0">
+                <a:latin typeface="Exo 2" panose="00000500000000000000" pitchFamily="50" charset="0"/>
+              </a:rPr>
+              <a:t>Quer facilidade em gerenciar a biblioteca;</a:t>
+            </a:r>
+          </a:p>
+          <a:p>
+            <a:endParaRPr lang="pt-BR" sz="1632" dirty="0">
+              <a:latin typeface="Exo 2" panose="00000500000000000000" pitchFamily="50" charset="0"/>
+            </a:endParaRPr>
+          </a:p>
+        </p:txBody>
+      </p:sp>
+      <p:sp>
+        <p:nvSpPr>
+          <p:cNvPr id="16" name="Retângulo 15"/>
+          <p:cNvSpPr/>
+          <p:nvPr/>
+        </p:nvSpPr>
+        <p:spPr>
+          <a:xfrm>
+            <a:off x="1157839" y="6016822"/>
+            <a:ext cx="3950762" cy="287771"/>
+          </a:xfrm>
+          <a:prstGeom prst="rect">
+            <a:avLst/>
+          </a:prstGeom>
+        </p:spPr>
+        <p:txBody>
+          <a:bodyPr wrap="none">
+            <a:spAutoFit/>
+          </a:bodyPr>
+          <a:lstStyle/>
+          <a:p>
+            <a:r>
+              <a:rPr lang="pt-BR" sz="1270" dirty="0"/>
+              <a:t>Modelo baseado em </a:t>
+            </a:r>
+            <a:r>
+              <a:rPr lang="pt-BR" sz="1270" dirty="0" err="1"/>
+              <a:t>Lean</a:t>
+            </a:r>
+            <a:r>
+              <a:rPr lang="pt-BR" sz="1270" dirty="0"/>
+              <a:t> UX. Não é amostra estatística. </a:t>
+            </a:r>
+          </a:p>
+        </p:txBody>
+      </p:sp>
+      <p:sp>
+        <p:nvSpPr>
+          <p:cNvPr id="18" name="Retângulo 17"/>
+          <p:cNvSpPr/>
+          <p:nvPr/>
+        </p:nvSpPr>
+        <p:spPr>
+          <a:xfrm>
+            <a:off x="6253019" y="1429358"/>
+            <a:ext cx="3716153" cy="315599"/>
+          </a:xfrm>
+          <a:prstGeom prst="rect">
+            <a:avLst/>
+          </a:prstGeom>
+        </p:spPr>
+        <p:txBody>
+          <a:bodyPr wrap="square">
+            <a:spAutoFit/>
+          </a:bodyPr>
+          <a:lstStyle/>
+          <a:p>
+            <a:r>
+              <a:rPr lang="pt-BR" sz="1451" b="1" dirty="0">
+                <a:solidFill>
+                  <a:srgbClr val="E6005A"/>
+                </a:solidFill>
+                <a:latin typeface="Exo 2" panose="00000500000000000000" pitchFamily="50" charset="0"/>
+              </a:rPr>
+              <a:t>Palavras/frases que definem a persona</a:t>
+            </a:r>
+          </a:p>
+        </p:txBody>
+      </p:sp>
+      <p:sp>
+        <p:nvSpPr>
+          <p:cNvPr id="19" name="Retângulo 18"/>
+          <p:cNvSpPr/>
+          <p:nvPr/>
+        </p:nvSpPr>
+        <p:spPr>
+          <a:xfrm>
+            <a:off x="926786" y="3951458"/>
+            <a:ext cx="2556926" cy="315599"/>
+          </a:xfrm>
+          <a:prstGeom prst="rect">
+            <a:avLst/>
+          </a:prstGeom>
+        </p:spPr>
+        <p:txBody>
+          <a:bodyPr wrap="square">
+            <a:spAutoFit/>
+          </a:bodyPr>
+          <a:lstStyle/>
+          <a:p>
+            <a:r>
+              <a:rPr lang="pt-BR" sz="1451" b="1">
+                <a:solidFill>
+                  <a:srgbClr val="E6005A"/>
+                </a:solidFill>
+                <a:latin typeface="Exo 2" panose="00000500000000000000" pitchFamily="50" charset="0"/>
+              </a:rPr>
+              <a:t>Dores e Necessidades</a:t>
+            </a:r>
+          </a:p>
+        </p:txBody>
+      </p:sp>
+      <p:sp>
+        <p:nvSpPr>
+          <p:cNvPr id="14" name="Retângulo 13"/>
+          <p:cNvSpPr/>
+          <p:nvPr/>
+        </p:nvSpPr>
+        <p:spPr>
+          <a:xfrm>
+            <a:off x="835075" y="4274304"/>
+            <a:ext cx="9460209" cy="1599284"/>
+          </a:xfrm>
+          <a:prstGeom prst="rect">
+            <a:avLst/>
+          </a:prstGeom>
+        </p:spPr>
+        <p:txBody>
+          <a:bodyPr wrap="square">
+            <a:spAutoFit/>
+          </a:bodyPr>
+          <a:lstStyle/>
+          <a:p>
+            <a:pPr marL="310976" indent="-310976">
+              <a:buFont typeface="Arial" panose="020B0604020202020204" pitchFamily="34" charset="0"/>
+              <a:buChar char="•"/>
+            </a:pPr>
+            <a:r>
+              <a:rPr lang="pt-BR" sz="1632" dirty="0">
+                <a:latin typeface="Exo 2" panose="00000500000000000000" pitchFamily="50" charset="0"/>
+              </a:rPr>
+              <a:t>Sofre com a falta de  controle de estoque e fluxo de entrada e saída;</a:t>
+            </a:r>
+          </a:p>
+          <a:p>
+            <a:pPr marL="310976" indent="-310976">
+              <a:buFont typeface="Arial" panose="020B0604020202020204" pitchFamily="34" charset="0"/>
+              <a:buChar char="•"/>
+            </a:pPr>
+            <a:r>
+              <a:rPr lang="pt-BR" sz="1632" dirty="0">
+                <a:latin typeface="Exo 2" panose="00000500000000000000" pitchFamily="50" charset="0"/>
+              </a:rPr>
+              <a:t>Quer maior </a:t>
+            </a:r>
+            <a:r>
+              <a:rPr lang="pt-BR" sz="1632" dirty="0" err="1">
+                <a:latin typeface="Exo 2" panose="00000500000000000000" pitchFamily="50" charset="0"/>
+              </a:rPr>
+              <a:t>acertividade</a:t>
+            </a:r>
+            <a:r>
+              <a:rPr lang="pt-BR" sz="1632" dirty="0">
+                <a:latin typeface="Exo 2" panose="00000500000000000000" pitchFamily="50" charset="0"/>
+              </a:rPr>
+              <a:t> sobre a devolução dos livros;</a:t>
+            </a:r>
+          </a:p>
+          <a:p>
+            <a:pPr marL="310976" indent="-310976">
+              <a:buFont typeface="Arial" panose="020B0604020202020204" pitchFamily="34" charset="0"/>
+              <a:buChar char="•"/>
+            </a:pPr>
+            <a:r>
+              <a:rPr lang="pt-BR" sz="1632" dirty="0">
+                <a:latin typeface="Exo 2" panose="00000500000000000000" pitchFamily="50" charset="0"/>
+              </a:rPr>
+              <a:t>Tem uma dificuldade em estabelecer a segurança do estoque;</a:t>
+            </a:r>
+          </a:p>
+          <a:p>
+            <a:pPr marL="310976" indent="-310976">
+              <a:buFont typeface="Arial" panose="020B0604020202020204" pitchFamily="34" charset="0"/>
+              <a:buChar char="•"/>
+            </a:pPr>
+            <a:r>
+              <a:rPr lang="pt-BR" sz="1632" dirty="0">
+                <a:latin typeface="Exo 2" panose="00000500000000000000" pitchFamily="50" charset="0"/>
+              </a:rPr>
+              <a:t>Diminuir gastos com papéis impressos para relatório;</a:t>
+            </a:r>
+          </a:p>
+          <a:p>
+            <a:pPr marL="310976" indent="-310976">
+              <a:buFont typeface="Arial" panose="020B0604020202020204" pitchFamily="34" charset="0"/>
+              <a:buChar char="•"/>
+            </a:pPr>
+            <a:r>
+              <a:rPr lang="pt-BR" sz="1632" dirty="0">
+                <a:latin typeface="Exo 2" panose="00000500000000000000" pitchFamily="50" charset="0"/>
+              </a:rPr>
+              <a:t>Não tem disponibilidade de fazer uma verificação manual do estoque com frequência;</a:t>
+            </a:r>
+          </a:p>
+          <a:p>
+            <a:pPr marL="310976" indent="-310976">
+              <a:buFont typeface="Arial" panose="020B0604020202020204" pitchFamily="34" charset="0"/>
+              <a:buChar char="•"/>
+            </a:pPr>
+            <a:r>
+              <a:rPr lang="pt-BR" sz="1632" dirty="0">
+                <a:latin typeface="Exo 2" panose="00000500000000000000" pitchFamily="50" charset="0"/>
+              </a:rPr>
+              <a:t>Automatizar o gerenciamento de disponibilidade dos livros.</a:t>
+            </a:r>
+          </a:p>
+        </p:txBody>
+      </p:sp>
+      <p:sp>
+        <p:nvSpPr>
+          <p:cNvPr id="20" name="Espaço Reservado para Número de Slide 2"/>
+          <p:cNvSpPr txBox="1">
+            <a:spLocks/>
+          </p:cNvSpPr>
+          <p:nvPr/>
+        </p:nvSpPr>
+        <p:spPr bwMode="auto">
+          <a:xfrm>
+            <a:off x="11432460" y="6563746"/>
+            <a:ext cx="570147" cy="194349"/>
+          </a:xfrm>
+          <a:prstGeom prst="rect">
+            <a:avLst/>
+          </a:prstGeom>
+          <a:noFill/>
+          <a:ln w="9525">
+            <a:noFill/>
+            <a:miter lim="800000"/>
+            <a:headEnd/>
+            <a:tailEnd/>
+          </a:ln>
+          <a:effectLst/>
+        </p:spPr>
+        <p:txBody>
+          <a:bodyPr vert="horz" wrap="square" lIns="16325" tIns="9795" rIns="16325" bIns="9795" numCol="1" anchor="t" anchorCtr="0" compatLnSpc="1">
+            <a:prstTxWarp prst="textNoShape">
+              <a:avLst/>
+            </a:prstTxWarp>
+          </a:bodyPr>
+          <a:lstStyle>
+            <a:defPPr>
+              <a:defRPr lang="pt-BR"/>
+            </a:defPPr>
+            <a:lvl1pPr marL="0" algn="r" defTabSz="1043056" rtl="0" eaLnBrk="1" latinLnBrk="0" hangingPunct="1">
+              <a:spcBef>
+                <a:spcPct val="0"/>
+              </a:spcBef>
+              <a:spcAft>
+                <a:spcPct val="0"/>
+              </a:spcAft>
+              <a:defRPr sz="1257" b="1" kern="1200">
+                <a:solidFill>
+                  <a:schemeClr val="bg1"/>
+                </a:solidFill>
+                <a:latin typeface="Exo 2" pitchFamily="50" charset="0"/>
+                <a:ea typeface="Tahoma" pitchFamily="34" charset="0"/>
+                <a:cs typeface="Tahoma" pitchFamily="34" charset="0"/>
+              </a:defRPr>
+            </a:lvl1pPr>
+            <a:lvl2pPr marL="521528" algn="l" defTabSz="1043056" rtl="0" eaLnBrk="1" latinLnBrk="0" hangingPunct="1">
+              <a:defRPr sz="2100" kern="1200">
+                <a:solidFill>
+                  <a:schemeClr val="tx1"/>
+                </a:solidFill>
+                <a:latin typeface="+mn-lt"/>
+                <a:ea typeface="+mn-ea"/>
+                <a:cs typeface="+mn-cs"/>
+              </a:defRPr>
+            </a:lvl2pPr>
+            <a:lvl3pPr marL="1043056" algn="l" defTabSz="1043056" rtl="0" eaLnBrk="1" latinLnBrk="0" hangingPunct="1">
+              <a:defRPr sz="2100" kern="1200">
+                <a:solidFill>
+                  <a:schemeClr val="tx1"/>
+                </a:solidFill>
+                <a:latin typeface="+mn-lt"/>
+                <a:ea typeface="+mn-ea"/>
+                <a:cs typeface="+mn-cs"/>
+              </a:defRPr>
+            </a:lvl3pPr>
+            <a:lvl4pPr marL="1564584" algn="l" defTabSz="1043056" rtl="0" eaLnBrk="1" latinLnBrk="0" hangingPunct="1">
+              <a:defRPr sz="2100" kern="1200">
+                <a:solidFill>
+                  <a:schemeClr val="tx1"/>
+                </a:solidFill>
+                <a:latin typeface="+mn-lt"/>
+                <a:ea typeface="+mn-ea"/>
+                <a:cs typeface="+mn-cs"/>
+              </a:defRPr>
+            </a:lvl4pPr>
+            <a:lvl5pPr marL="2086112" algn="l" defTabSz="1043056" rtl="0" eaLnBrk="1" latinLnBrk="0" hangingPunct="1">
+              <a:defRPr sz="2100" kern="1200">
+                <a:solidFill>
+                  <a:schemeClr val="tx1"/>
+                </a:solidFill>
+                <a:latin typeface="+mn-lt"/>
+                <a:ea typeface="+mn-ea"/>
+                <a:cs typeface="+mn-cs"/>
+              </a:defRPr>
+            </a:lvl5pPr>
+            <a:lvl6pPr marL="2607640" algn="l" defTabSz="1043056" rtl="0" eaLnBrk="1" latinLnBrk="0" hangingPunct="1">
+              <a:defRPr sz="2100" kern="1200">
+                <a:solidFill>
+                  <a:schemeClr val="tx1"/>
+                </a:solidFill>
+                <a:latin typeface="+mn-lt"/>
+                <a:ea typeface="+mn-ea"/>
+                <a:cs typeface="+mn-cs"/>
+              </a:defRPr>
+            </a:lvl6pPr>
+            <a:lvl7pPr marL="3129168" algn="l" defTabSz="1043056" rtl="0" eaLnBrk="1" latinLnBrk="0" hangingPunct="1">
+              <a:defRPr sz="2100" kern="1200">
+                <a:solidFill>
+                  <a:schemeClr val="tx1"/>
+                </a:solidFill>
+                <a:latin typeface="+mn-lt"/>
+                <a:ea typeface="+mn-ea"/>
+                <a:cs typeface="+mn-cs"/>
+              </a:defRPr>
+            </a:lvl7pPr>
+            <a:lvl8pPr marL="3650696" algn="l" defTabSz="1043056" rtl="0" eaLnBrk="1" latinLnBrk="0" hangingPunct="1">
+              <a:defRPr sz="2100" kern="1200">
+                <a:solidFill>
+                  <a:schemeClr val="tx1"/>
+                </a:solidFill>
+                <a:latin typeface="+mn-lt"/>
+                <a:ea typeface="+mn-ea"/>
+                <a:cs typeface="+mn-cs"/>
+              </a:defRPr>
+            </a:lvl8pPr>
+            <a:lvl9pPr marL="4172224" algn="l" defTabSz="1043056" rtl="0" eaLnBrk="1" latinLnBrk="0" hangingPunct="1">
+              <a:defRPr sz="2100" kern="1200">
+                <a:solidFill>
+                  <a:schemeClr val="tx1"/>
+                </a:solidFill>
+                <a:latin typeface="+mn-lt"/>
+                <a:ea typeface="+mn-ea"/>
+                <a:cs typeface="+mn-cs"/>
+              </a:defRPr>
+            </a:lvl9pPr>
+          </a:lstStyle>
+          <a:p>
+            <a:pPr>
+              <a:defRPr/>
+            </a:pPr>
+            <a:r>
+              <a:rPr lang="pt-BR" sz="1140"/>
+              <a:t>1</a:t>
+            </a:r>
+            <a:endParaRPr lang="pt-BR" sz="798"/>
           </a:p>
         </p:txBody>
       </p:sp>
       <p:pic>
         <p:nvPicPr>
-          <p:cNvPr id="9" name="Espaço Reservado para Conteúdo 8" descr="Uma imagem contendo Diagrama&#10;&#10;Descrição gerada automaticamente">
-            <a:extLst>
-              <a:ext uri="{FF2B5EF4-FFF2-40B4-BE49-F238E27FC236}">
-                <a16:creationId xmlns:a16="http://schemas.microsoft.com/office/drawing/2014/main" id="{AC43FB7D-053C-478B-8D25-7CA032F998AC}"/>
+          <p:cNvPr id="5" name="Imagem 4">
+            <a:extLst>
+              <a:ext uri="{FF2B5EF4-FFF2-40B4-BE49-F238E27FC236}">
+                <a16:creationId xmlns:a16="http://schemas.microsoft.com/office/drawing/2014/main" id="{246A63B8-1788-4ED8-A1C7-137EA2EA1597}"/>
               </a:ext>
             </a:extLst>
           </p:cNvPr>
           <p:cNvPicPr>
-            <a:picLocks noGrp="1" noChangeAspect="1"/>
+            <a:picLocks noChangeAspect="1"/>
           </p:cNvPicPr>
-          <p:nvPr>
-            <p:ph idx="1"/>
-          </p:nvPr>
+          <p:nvPr/>
         </p:nvPicPr>
         <p:blipFill>
-          <a:blip r:embed="rId2">
-            <a:extLst>
-              <a:ext uri="{28A0092B-C50C-407E-A947-70E740481C1C}">
-                <a14:useLocalDpi xmlns:a14="http://schemas.microsoft.com/office/drawing/2010/main" val="0"/>
-              </a:ext>
-            </a:extLst>
-          </a:blip>
+          <a:blip r:embed="rId2"/>
           <a:stretch>
             <a:fillRect/>
           </a:stretch>
         </p:blipFill>
         <p:spPr>
           <a:xfrm>
-            <a:off x="2472087" y="365125"/>
-            <a:ext cx="6278017" cy="5865150"/>
+            <a:off x="1048654" y="1636725"/>
+            <a:ext cx="1297713" cy="2098430"/>
           </a:xfrm>
+          <a:prstGeom prst="rect">
+            <a:avLst/>
+          </a:prstGeom>
         </p:spPr>
       </p:pic>
+      <p:sp>
+        <p:nvSpPr>
+          <p:cNvPr id="8" name="CaixaDeTexto 7">
+            <a:extLst>
+              <a:ext uri="{FF2B5EF4-FFF2-40B4-BE49-F238E27FC236}">
+                <a16:creationId xmlns:a16="http://schemas.microsoft.com/office/drawing/2014/main" id="{817745C4-7356-4F7B-B463-ABFA79BAD87F}"/>
+              </a:ext>
+            </a:extLst>
+          </p:cNvPr>
+          <p:cNvSpPr txBox="1"/>
+          <p:nvPr/>
+        </p:nvSpPr>
+        <p:spPr>
+          <a:xfrm>
+            <a:off x="2551975" y="3222677"/>
+            <a:ext cx="2435286" cy="343492"/>
+          </a:xfrm>
+          <a:prstGeom prst="rect">
+            <a:avLst/>
+          </a:prstGeom>
+          <a:noFill/>
+        </p:spPr>
+        <p:txBody>
+          <a:bodyPr wrap="square" rtlCol="0">
+            <a:spAutoFit/>
+          </a:bodyPr>
+          <a:lstStyle/>
+          <a:p>
+            <a:r>
+              <a:rPr lang="pt-BR" sz="1632" dirty="0"/>
+              <a:t>Idade: 20-35 anos</a:t>
+            </a:r>
+          </a:p>
+        </p:txBody>
+      </p:sp>
     </p:spTree>
     <p:extLst>
       <p:ext uri="{BB962C8B-B14F-4D97-AF65-F5344CB8AC3E}">
-        <p14:creationId xmlns:p14="http://schemas.microsoft.com/office/powerpoint/2010/main" val="1395471193"/>
+        <p14:creationId xmlns:p14="http://schemas.microsoft.com/office/powerpoint/2010/main" val="1109227438"/>
       </p:ext>
     </p:extLst>
   </p:cSld>
@@ -5200,7 +7796,7 @@
           <p:cNvPr id="2" name="Título 1">
             <a:extLst>
               <a:ext uri="{FF2B5EF4-FFF2-40B4-BE49-F238E27FC236}">
-                <a16:creationId xmlns:a16="http://schemas.microsoft.com/office/drawing/2014/main" id="{09E43C26-D68B-483D-8412-DA06D53CE28E}"/>
+                <a16:creationId xmlns:a16="http://schemas.microsoft.com/office/drawing/2014/main" id="{3005233C-B0D4-4B19-9849-D8AEE015762B}"/>
               </a:ext>
             </a:extLst>
           </p:cNvPr>
@@ -5222,10 +7818,10 @@
       </p:sp>
       <p:pic>
         <p:nvPicPr>
-          <p:cNvPr id="5" name="Espaço Reservado para Conteúdo 4" descr="Diagrama&#10;&#10;Descrição gerada automaticamente">
-            <a:extLst>
-              <a:ext uri="{FF2B5EF4-FFF2-40B4-BE49-F238E27FC236}">
-                <a16:creationId xmlns:a16="http://schemas.microsoft.com/office/drawing/2014/main" id="{CC93F6A8-F5A1-4C15-A174-72A435213938}"/>
+          <p:cNvPr id="5" name="Espaço Reservado para Conteúdo 4" descr="Diagrama&#10;&#10;Descrição gerada automaticamente com confiança baixa">
+            <a:extLst>
+              <a:ext uri="{FF2B5EF4-FFF2-40B4-BE49-F238E27FC236}">
+                <a16:creationId xmlns:a16="http://schemas.microsoft.com/office/drawing/2014/main" id="{19C86C46-4FD4-40C3-BBE6-25302A1713BA}"/>
               </a:ext>
             </a:extLst>
           </p:cNvPr>
@@ -5250,15 +7846,15 @@
         </p:blipFill>
         <p:spPr>
           <a:xfrm>
-            <a:off x="721839" y="654540"/>
-            <a:ext cx="10757397" cy="5426938"/>
+            <a:off x="2870644" y="-1029623"/>
+            <a:ext cx="7035355" cy="8565149"/>
           </a:xfrm>
         </p:spPr>
       </p:pic>
     </p:spTree>
     <p:extLst>
       <p:ext uri="{BB962C8B-B14F-4D97-AF65-F5344CB8AC3E}">
-        <p14:creationId xmlns:p14="http://schemas.microsoft.com/office/powerpoint/2010/main" val="3984078246"/>
+        <p14:creationId xmlns:p14="http://schemas.microsoft.com/office/powerpoint/2010/main" val="3426015937"/>
       </p:ext>
     </p:extLst>
   </p:cSld>
@@ -5290,7 +7886,7 @@
           <p:cNvPr id="2" name="Título 1">
             <a:extLst>
               <a:ext uri="{FF2B5EF4-FFF2-40B4-BE49-F238E27FC236}">
-                <a16:creationId xmlns:a16="http://schemas.microsoft.com/office/drawing/2014/main" id="{3005233C-B0D4-4B19-9849-D8AEE015762B}"/>
+                <a16:creationId xmlns:a16="http://schemas.microsoft.com/office/drawing/2014/main" id="{7A50B48B-6D93-4DBF-AF67-F90E38127745}"/>
               </a:ext>
             </a:extLst>
           </p:cNvPr>
@@ -5312,10 +7908,10 @@
       </p:sp>
       <p:pic>
         <p:nvPicPr>
-          <p:cNvPr id="5" name="Espaço Reservado para Conteúdo 4" descr="Diagrama&#10;&#10;Descrição gerada automaticamente com confiança baixa">
-            <a:extLst>
-              <a:ext uri="{FF2B5EF4-FFF2-40B4-BE49-F238E27FC236}">
-                <a16:creationId xmlns:a16="http://schemas.microsoft.com/office/drawing/2014/main" id="{19C86C46-4FD4-40C3-BBE6-25302A1713BA}"/>
+          <p:cNvPr id="5" name="Espaço Reservado para Conteúdo 4" descr="Diagrama&#10;&#10;Descrição gerada automaticamente">
+            <a:extLst>
+              <a:ext uri="{FF2B5EF4-FFF2-40B4-BE49-F238E27FC236}">
+                <a16:creationId xmlns:a16="http://schemas.microsoft.com/office/drawing/2014/main" id="{D3074709-24CE-44FD-98C1-7FB96B6889F4}"/>
               </a:ext>
             </a:extLst>
           </p:cNvPr>
@@ -5340,15 +7936,15 @@
         </p:blipFill>
         <p:spPr>
           <a:xfrm>
-            <a:off x="2870644" y="-1029623"/>
-            <a:ext cx="7035355" cy="8565149"/>
+            <a:off x="4242467" y="1825625"/>
+            <a:ext cx="3707065" cy="4351338"/>
           </a:xfrm>
         </p:spPr>
       </p:pic>
     </p:spTree>
     <p:extLst>
       <p:ext uri="{BB962C8B-B14F-4D97-AF65-F5344CB8AC3E}">
-        <p14:creationId xmlns:p14="http://schemas.microsoft.com/office/powerpoint/2010/main" val="3426015937"/>
+        <p14:creationId xmlns:p14="http://schemas.microsoft.com/office/powerpoint/2010/main" val="3001858680"/>
       </p:ext>
     </p:extLst>
   </p:cSld>
@@ -5380,7 +7976,7 @@
           <p:cNvPr id="2" name="Título 1">
             <a:extLst>
               <a:ext uri="{FF2B5EF4-FFF2-40B4-BE49-F238E27FC236}">
-                <a16:creationId xmlns:a16="http://schemas.microsoft.com/office/drawing/2014/main" id="{7A50B48B-6D93-4DBF-AF67-F90E38127745}"/>
+                <a16:creationId xmlns:a16="http://schemas.microsoft.com/office/drawing/2014/main" id="{174CE012-948C-49FD-B53F-78F32F443442}"/>
               </a:ext>
             </a:extLst>
           </p:cNvPr>
@@ -5402,10 +7998,10 @@
       </p:sp>
       <p:pic>
         <p:nvPicPr>
-          <p:cNvPr id="5" name="Espaço Reservado para Conteúdo 4" descr="Diagrama&#10;&#10;Descrição gerada automaticamente">
-            <a:extLst>
-              <a:ext uri="{FF2B5EF4-FFF2-40B4-BE49-F238E27FC236}">
-                <a16:creationId xmlns:a16="http://schemas.microsoft.com/office/drawing/2014/main" id="{D3074709-24CE-44FD-98C1-7FB96B6889F4}"/>
+          <p:cNvPr id="9" name="Espaço Reservado para Conteúdo 8" descr="Uma imagem contendo Diagrama&#10;&#10;Descrição gerada automaticamente">
+            <a:extLst>
+              <a:ext uri="{FF2B5EF4-FFF2-40B4-BE49-F238E27FC236}">
+                <a16:creationId xmlns:a16="http://schemas.microsoft.com/office/drawing/2014/main" id="{AC43FB7D-053C-478B-8D25-7CA032F998AC}"/>
               </a:ext>
             </a:extLst>
           </p:cNvPr>
@@ -5430,15 +8026,15 @@
         </p:blipFill>
         <p:spPr>
           <a:xfrm>
-            <a:off x="4242467" y="1825625"/>
-            <a:ext cx="3707065" cy="4351338"/>
+            <a:off x="2472087" y="365125"/>
+            <a:ext cx="6278017" cy="5865150"/>
           </a:xfrm>
         </p:spPr>
       </p:pic>
     </p:spTree>
     <p:extLst>
       <p:ext uri="{BB962C8B-B14F-4D97-AF65-F5344CB8AC3E}">
-        <p14:creationId xmlns:p14="http://schemas.microsoft.com/office/powerpoint/2010/main" val="3001858680"/>
+        <p14:creationId xmlns:p14="http://schemas.microsoft.com/office/powerpoint/2010/main" val="1395471193"/>
       </p:ext>
     </p:extLst>
   </p:cSld>
